--- a/docs/diagrams/StorageComponentClassDiagram.pptx
+++ b/docs/diagrams/StorageComponentClassDiagram.pptx
@@ -107,6 +107,22 @@
       </a:defRPr>
     </a:lvl9pPr>
   </p:defaultTextStyle>
+  <p:extLst>
+    <p:ext uri="{EFAFB233-063F-42B5-8137-9DF3F51BA10A}">
+      <p15:sldGuideLst xmlns:p15="http://schemas.microsoft.com/office/powerpoint/2012/main">
+        <p15:guide id="1" orient="horz" pos="1488">
+          <p15:clr>
+            <a:srgbClr val="A4A3A4"/>
+          </p15:clr>
+        </p15:guide>
+        <p15:guide id="2" pos="2880">
+          <p15:clr>
+            <a:srgbClr val="A4A3A4"/>
+          </p15:clr>
+        </p15:guide>
+      </p15:sldGuideLst>
+    </p:ext>
+  </p:extLst>
 </p:presentation>
 </file>
 
@@ -192,7 +208,7 @@
           <a:p>
             <a:fld id="{F5CC4B3F-88C1-4FFA-B1B6-F41C21DC6924}" type="datetimeFigureOut">
               <a:rPr lang="en-US" smtClean="0"/>
-              <a:t>10/16/2016</a:t>
+              <a:t>11/10/2018</a:t>
             </a:fld>
             <a:endParaRPr lang="en-US"/>
           </a:p>
@@ -256,38 +272,37 @@
           <a:p>
             <a:pPr lvl="0"/>
             <a:r>
-              <a:rPr lang="en-US" smtClean="0"/>
+              <a:rPr lang="en-US"/>
               <a:t>Click to edit Master text styles</a:t>
             </a:r>
           </a:p>
           <a:p>
             <a:pPr lvl="1"/>
             <a:r>
-              <a:rPr lang="en-US" smtClean="0"/>
+              <a:rPr lang="en-US"/>
               <a:t>Second level</a:t>
             </a:r>
           </a:p>
           <a:p>
             <a:pPr lvl="2"/>
             <a:r>
-              <a:rPr lang="en-US" smtClean="0"/>
+              <a:rPr lang="en-US"/>
               <a:t>Third level</a:t>
             </a:r>
           </a:p>
           <a:p>
             <a:pPr lvl="3"/>
             <a:r>
-              <a:rPr lang="en-US" smtClean="0"/>
+              <a:rPr lang="en-US"/>
               <a:t>Fourth level</a:t>
             </a:r>
           </a:p>
           <a:p>
             <a:pPr lvl="4"/>
             <a:r>
-              <a:rPr lang="en-US" smtClean="0"/>
+              <a:rPr lang="en-US"/>
               <a:t>Fifth level</a:t>
             </a:r>
-            <a:endParaRPr lang="en-US"/>
           </a:p>
         </p:txBody>
       </p:sp>
@@ -498,10 +513,9 @@
           <a:lstStyle/>
           <a:p>
             <a:r>
-              <a:rPr lang="en-US" smtClean="0"/>
+              <a:rPr lang="en-US"/>
               <a:t>Click to edit Master title style</a:t>
             </a:r>
-            <a:endParaRPr lang="en-US"/>
           </a:p>
         </p:txBody>
       </p:sp>
@@ -617,10 +631,9 @@
           </a:lstStyle>
           <a:p>
             <a:r>
-              <a:rPr lang="en-US" smtClean="0"/>
+              <a:rPr lang="en-US"/>
               <a:t>Click to edit Master subtitle style</a:t>
             </a:r>
-            <a:endParaRPr lang="en-US"/>
           </a:p>
         </p:txBody>
       </p:sp>
@@ -641,7 +654,7 @@
           <a:p>
             <a:fld id="{78C97017-6FC3-485B-9764-EAC9E56C1D49}" type="datetimeFigureOut">
               <a:rPr lang="en-US" smtClean="0"/>
-              <a:t>10/16/2016</a:t>
+              <a:t>11/10/2018</a:t>
             </a:fld>
             <a:endParaRPr lang="en-US"/>
           </a:p>
@@ -735,10 +748,9 @@
           <a:lstStyle/>
           <a:p>
             <a:r>
-              <a:rPr lang="en-US" smtClean="0"/>
+              <a:rPr lang="en-US"/>
               <a:t>Click to edit Master title style</a:t>
             </a:r>
-            <a:endParaRPr lang="en-US"/>
           </a:p>
         </p:txBody>
       </p:sp>
@@ -759,38 +771,37 @@
           <a:p>
             <a:pPr lvl="0"/>
             <a:r>
-              <a:rPr lang="en-US" smtClean="0"/>
+              <a:rPr lang="en-US"/>
               <a:t>Click to edit Master text styles</a:t>
             </a:r>
           </a:p>
           <a:p>
             <a:pPr lvl="1"/>
             <a:r>
-              <a:rPr lang="en-US" smtClean="0"/>
+              <a:rPr lang="en-US"/>
               <a:t>Second level</a:t>
             </a:r>
           </a:p>
           <a:p>
             <a:pPr lvl="2"/>
             <a:r>
-              <a:rPr lang="en-US" smtClean="0"/>
+              <a:rPr lang="en-US"/>
               <a:t>Third level</a:t>
             </a:r>
           </a:p>
           <a:p>
             <a:pPr lvl="3"/>
             <a:r>
-              <a:rPr lang="en-US" smtClean="0"/>
+              <a:rPr lang="en-US"/>
               <a:t>Fourth level</a:t>
             </a:r>
           </a:p>
           <a:p>
             <a:pPr lvl="4"/>
             <a:r>
-              <a:rPr lang="en-US" smtClean="0"/>
+              <a:rPr lang="en-US"/>
               <a:t>Fifth level</a:t>
             </a:r>
-            <a:endParaRPr lang="en-US"/>
           </a:p>
         </p:txBody>
       </p:sp>
@@ -811,7 +822,7 @@
           <a:p>
             <a:fld id="{78C97017-6FC3-485B-9764-EAC9E56C1D49}" type="datetimeFigureOut">
               <a:rPr lang="en-US" smtClean="0"/>
-              <a:t>10/16/2016</a:t>
+              <a:t>11/10/2018</a:t>
             </a:fld>
             <a:endParaRPr lang="en-US"/>
           </a:p>
@@ -910,10 +921,9 @@
           <a:lstStyle/>
           <a:p>
             <a:r>
-              <a:rPr lang="en-US" smtClean="0"/>
+              <a:rPr lang="en-US"/>
               <a:t>Click to edit Master title style</a:t>
             </a:r>
-            <a:endParaRPr lang="en-US"/>
           </a:p>
         </p:txBody>
       </p:sp>
@@ -939,38 +949,37 @@
           <a:p>
             <a:pPr lvl="0"/>
             <a:r>
-              <a:rPr lang="en-US" smtClean="0"/>
+              <a:rPr lang="en-US"/>
               <a:t>Click to edit Master text styles</a:t>
             </a:r>
           </a:p>
           <a:p>
             <a:pPr lvl="1"/>
             <a:r>
-              <a:rPr lang="en-US" smtClean="0"/>
+              <a:rPr lang="en-US"/>
               <a:t>Second level</a:t>
             </a:r>
           </a:p>
           <a:p>
             <a:pPr lvl="2"/>
             <a:r>
-              <a:rPr lang="en-US" smtClean="0"/>
+              <a:rPr lang="en-US"/>
               <a:t>Third level</a:t>
             </a:r>
           </a:p>
           <a:p>
             <a:pPr lvl="3"/>
             <a:r>
-              <a:rPr lang="en-US" smtClean="0"/>
+              <a:rPr lang="en-US"/>
               <a:t>Fourth level</a:t>
             </a:r>
           </a:p>
           <a:p>
             <a:pPr lvl="4"/>
             <a:r>
-              <a:rPr lang="en-US" smtClean="0"/>
+              <a:rPr lang="en-US"/>
               <a:t>Fifth level</a:t>
             </a:r>
-            <a:endParaRPr lang="en-US"/>
           </a:p>
         </p:txBody>
       </p:sp>
@@ -991,7 +1000,7 @@
           <a:p>
             <a:fld id="{78C97017-6FC3-485B-9764-EAC9E56C1D49}" type="datetimeFigureOut">
               <a:rPr lang="en-US" smtClean="0"/>
-              <a:t>10/16/2016</a:t>
+              <a:t>11/10/2018</a:t>
             </a:fld>
             <a:endParaRPr lang="en-US"/>
           </a:p>
@@ -1085,10 +1094,9 @@
           <a:lstStyle/>
           <a:p>
             <a:r>
-              <a:rPr lang="en-US" smtClean="0"/>
+              <a:rPr lang="en-US"/>
               <a:t>Click to edit Master title style</a:t>
             </a:r>
-            <a:endParaRPr lang="en-US"/>
           </a:p>
         </p:txBody>
       </p:sp>
@@ -1109,38 +1117,37 @@
           <a:p>
             <a:pPr lvl="0"/>
             <a:r>
-              <a:rPr lang="en-US" smtClean="0"/>
+              <a:rPr lang="en-US"/>
               <a:t>Click to edit Master text styles</a:t>
             </a:r>
           </a:p>
           <a:p>
             <a:pPr lvl="1"/>
             <a:r>
-              <a:rPr lang="en-US" smtClean="0"/>
+              <a:rPr lang="en-US"/>
               <a:t>Second level</a:t>
             </a:r>
           </a:p>
           <a:p>
             <a:pPr lvl="2"/>
             <a:r>
-              <a:rPr lang="en-US" smtClean="0"/>
+              <a:rPr lang="en-US"/>
               <a:t>Third level</a:t>
             </a:r>
           </a:p>
           <a:p>
             <a:pPr lvl="3"/>
             <a:r>
-              <a:rPr lang="en-US" smtClean="0"/>
+              <a:rPr lang="en-US"/>
               <a:t>Fourth level</a:t>
             </a:r>
           </a:p>
           <a:p>
             <a:pPr lvl="4"/>
             <a:r>
-              <a:rPr lang="en-US" smtClean="0"/>
+              <a:rPr lang="en-US"/>
               <a:t>Fifth level</a:t>
             </a:r>
-            <a:endParaRPr lang="en-US"/>
           </a:p>
         </p:txBody>
       </p:sp>
@@ -1161,7 +1168,7 @@
           <a:p>
             <a:fld id="{78C97017-6FC3-485B-9764-EAC9E56C1D49}" type="datetimeFigureOut">
               <a:rPr lang="en-US" smtClean="0"/>
-              <a:t>10/16/2016</a:t>
+              <a:t>11/10/2018</a:t>
             </a:fld>
             <a:endParaRPr lang="en-US"/>
           </a:p>
@@ -1264,10 +1271,9 @@
           </a:lstStyle>
           <a:p>
             <a:r>
-              <a:rPr lang="en-US" smtClean="0"/>
+              <a:rPr lang="en-US"/>
               <a:t>Click to edit Master title style</a:t>
             </a:r>
-            <a:endParaRPr lang="en-US"/>
           </a:p>
         </p:txBody>
       </p:sp>
@@ -1384,7 +1390,7 @@
           <a:p>
             <a:pPr lvl="0"/>
             <a:r>
-              <a:rPr lang="en-US" smtClean="0"/>
+              <a:rPr lang="en-US"/>
               <a:t>Click to edit Master text styles</a:t>
             </a:r>
           </a:p>
@@ -1407,7 +1413,7 @@
           <a:p>
             <a:fld id="{78C97017-6FC3-485B-9764-EAC9E56C1D49}" type="datetimeFigureOut">
               <a:rPr lang="en-US" smtClean="0"/>
-              <a:t>10/16/2016</a:t>
+              <a:t>11/10/2018</a:t>
             </a:fld>
             <a:endParaRPr lang="en-US"/>
           </a:p>
@@ -1501,10 +1507,9 @@
           <a:lstStyle/>
           <a:p>
             <a:r>
-              <a:rPr lang="en-US" smtClean="0"/>
+              <a:rPr lang="en-US"/>
               <a:t>Click to edit Master title style</a:t>
             </a:r>
-            <a:endParaRPr lang="en-US"/>
           </a:p>
         </p:txBody>
       </p:sp>
@@ -1558,38 +1563,37 @@
           <a:p>
             <a:pPr lvl="0"/>
             <a:r>
-              <a:rPr lang="en-US" smtClean="0"/>
+              <a:rPr lang="en-US"/>
               <a:t>Click to edit Master text styles</a:t>
             </a:r>
           </a:p>
           <a:p>
             <a:pPr lvl="1"/>
             <a:r>
-              <a:rPr lang="en-US" smtClean="0"/>
+              <a:rPr lang="en-US"/>
               <a:t>Second level</a:t>
             </a:r>
           </a:p>
           <a:p>
             <a:pPr lvl="2"/>
             <a:r>
-              <a:rPr lang="en-US" smtClean="0"/>
+              <a:rPr lang="en-US"/>
               <a:t>Third level</a:t>
             </a:r>
           </a:p>
           <a:p>
             <a:pPr lvl="3"/>
             <a:r>
-              <a:rPr lang="en-US" smtClean="0"/>
+              <a:rPr lang="en-US"/>
               <a:t>Fourth level</a:t>
             </a:r>
           </a:p>
           <a:p>
             <a:pPr lvl="4"/>
             <a:r>
-              <a:rPr lang="en-US" smtClean="0"/>
+              <a:rPr lang="en-US"/>
               <a:t>Fifth level</a:t>
             </a:r>
-            <a:endParaRPr lang="en-US"/>
           </a:p>
         </p:txBody>
       </p:sp>
@@ -1643,38 +1647,37 @@
           <a:p>
             <a:pPr lvl="0"/>
             <a:r>
-              <a:rPr lang="en-US" smtClean="0"/>
+              <a:rPr lang="en-US"/>
               <a:t>Click to edit Master text styles</a:t>
             </a:r>
           </a:p>
           <a:p>
             <a:pPr lvl="1"/>
             <a:r>
-              <a:rPr lang="en-US" smtClean="0"/>
+              <a:rPr lang="en-US"/>
               <a:t>Second level</a:t>
             </a:r>
           </a:p>
           <a:p>
             <a:pPr lvl="2"/>
             <a:r>
-              <a:rPr lang="en-US" smtClean="0"/>
+              <a:rPr lang="en-US"/>
               <a:t>Third level</a:t>
             </a:r>
           </a:p>
           <a:p>
             <a:pPr lvl="3"/>
             <a:r>
-              <a:rPr lang="en-US" smtClean="0"/>
+              <a:rPr lang="en-US"/>
               <a:t>Fourth level</a:t>
             </a:r>
           </a:p>
           <a:p>
             <a:pPr lvl="4"/>
             <a:r>
-              <a:rPr lang="en-US" smtClean="0"/>
+              <a:rPr lang="en-US"/>
               <a:t>Fifth level</a:t>
             </a:r>
-            <a:endParaRPr lang="en-US"/>
           </a:p>
         </p:txBody>
       </p:sp>
@@ -1695,7 +1698,7 @@
           <a:p>
             <a:fld id="{78C97017-6FC3-485B-9764-EAC9E56C1D49}" type="datetimeFigureOut">
               <a:rPr lang="en-US" smtClean="0"/>
-              <a:t>10/16/2016</a:t>
+              <a:t>11/10/2018</a:t>
             </a:fld>
             <a:endParaRPr lang="en-US"/>
           </a:p>
@@ -1793,10 +1796,9 @@
           </a:lstStyle>
           <a:p>
             <a:r>
-              <a:rPr lang="en-US" smtClean="0"/>
+              <a:rPr lang="en-US"/>
               <a:t>Click to edit Master title style</a:t>
             </a:r>
-            <a:endParaRPr lang="en-US"/>
           </a:p>
         </p:txBody>
       </p:sp>
@@ -1859,7 +1861,7 @@
           <a:p>
             <a:pPr lvl="0"/>
             <a:r>
-              <a:rPr lang="en-US" smtClean="0"/>
+              <a:rPr lang="en-US"/>
               <a:t>Click to edit Master text styles</a:t>
             </a:r>
           </a:p>
@@ -1915,38 +1917,37 @@
           <a:p>
             <a:pPr lvl="0"/>
             <a:r>
-              <a:rPr lang="en-US" smtClean="0"/>
+              <a:rPr lang="en-US"/>
               <a:t>Click to edit Master text styles</a:t>
             </a:r>
           </a:p>
           <a:p>
             <a:pPr lvl="1"/>
             <a:r>
-              <a:rPr lang="en-US" smtClean="0"/>
+              <a:rPr lang="en-US"/>
               <a:t>Second level</a:t>
             </a:r>
           </a:p>
           <a:p>
             <a:pPr lvl="2"/>
             <a:r>
-              <a:rPr lang="en-US" smtClean="0"/>
+              <a:rPr lang="en-US"/>
               <a:t>Third level</a:t>
             </a:r>
           </a:p>
           <a:p>
             <a:pPr lvl="3"/>
             <a:r>
-              <a:rPr lang="en-US" smtClean="0"/>
+              <a:rPr lang="en-US"/>
               <a:t>Fourth level</a:t>
             </a:r>
           </a:p>
           <a:p>
             <a:pPr lvl="4"/>
             <a:r>
-              <a:rPr lang="en-US" smtClean="0"/>
+              <a:rPr lang="en-US"/>
               <a:t>Fifth level</a:t>
             </a:r>
-            <a:endParaRPr lang="en-US"/>
           </a:p>
         </p:txBody>
       </p:sp>
@@ -2009,7 +2010,7 @@
           <a:p>
             <a:pPr lvl="0"/>
             <a:r>
-              <a:rPr lang="en-US" smtClean="0"/>
+              <a:rPr lang="en-US"/>
               <a:t>Click to edit Master text styles</a:t>
             </a:r>
           </a:p>
@@ -2065,38 +2066,37 @@
           <a:p>
             <a:pPr lvl="0"/>
             <a:r>
-              <a:rPr lang="en-US" smtClean="0"/>
+              <a:rPr lang="en-US"/>
               <a:t>Click to edit Master text styles</a:t>
             </a:r>
           </a:p>
           <a:p>
             <a:pPr lvl="1"/>
             <a:r>
-              <a:rPr lang="en-US" smtClean="0"/>
+              <a:rPr lang="en-US"/>
               <a:t>Second level</a:t>
             </a:r>
           </a:p>
           <a:p>
             <a:pPr lvl="2"/>
             <a:r>
-              <a:rPr lang="en-US" smtClean="0"/>
+              <a:rPr lang="en-US"/>
               <a:t>Third level</a:t>
             </a:r>
           </a:p>
           <a:p>
             <a:pPr lvl="3"/>
             <a:r>
-              <a:rPr lang="en-US" smtClean="0"/>
+              <a:rPr lang="en-US"/>
               <a:t>Fourth level</a:t>
             </a:r>
           </a:p>
           <a:p>
             <a:pPr lvl="4"/>
             <a:r>
-              <a:rPr lang="en-US" smtClean="0"/>
+              <a:rPr lang="en-US"/>
               <a:t>Fifth level</a:t>
             </a:r>
-            <a:endParaRPr lang="en-US"/>
           </a:p>
         </p:txBody>
       </p:sp>
@@ -2117,7 +2117,7 @@
           <a:p>
             <a:fld id="{78C97017-6FC3-485B-9764-EAC9E56C1D49}" type="datetimeFigureOut">
               <a:rPr lang="en-US" smtClean="0"/>
-              <a:t>10/16/2016</a:t>
+              <a:t>11/10/2018</a:t>
             </a:fld>
             <a:endParaRPr lang="en-US"/>
           </a:p>
@@ -2211,10 +2211,9 @@
           <a:lstStyle/>
           <a:p>
             <a:r>
-              <a:rPr lang="en-US" smtClean="0"/>
+              <a:rPr lang="en-US"/>
               <a:t>Click to edit Master title style</a:t>
             </a:r>
-            <a:endParaRPr lang="en-US"/>
           </a:p>
         </p:txBody>
       </p:sp>
@@ -2235,7 +2234,7 @@
           <a:p>
             <a:fld id="{78C97017-6FC3-485B-9764-EAC9E56C1D49}" type="datetimeFigureOut">
               <a:rPr lang="en-US" smtClean="0"/>
-              <a:t>10/16/2016</a:t>
+              <a:t>11/10/2018</a:t>
             </a:fld>
             <a:endParaRPr lang="en-US"/>
           </a:p>
@@ -2330,7 +2329,7 @@
           <a:p>
             <a:fld id="{78C97017-6FC3-485B-9764-EAC9E56C1D49}" type="datetimeFigureOut">
               <a:rPr lang="en-US" smtClean="0"/>
-              <a:t>10/16/2016</a:t>
+              <a:t>11/10/2018</a:t>
             </a:fld>
             <a:endParaRPr lang="en-US"/>
           </a:p>
@@ -2433,10 +2432,9 @@
           </a:lstStyle>
           <a:p>
             <a:r>
-              <a:rPr lang="en-US" smtClean="0"/>
+              <a:rPr lang="en-US"/>
               <a:t>Click to edit Master title style</a:t>
             </a:r>
-            <a:endParaRPr lang="en-US"/>
           </a:p>
         </p:txBody>
       </p:sp>
@@ -2490,38 +2488,37 @@
           <a:p>
             <a:pPr lvl="0"/>
             <a:r>
-              <a:rPr lang="en-US" smtClean="0"/>
+              <a:rPr lang="en-US"/>
               <a:t>Click to edit Master text styles</a:t>
             </a:r>
           </a:p>
           <a:p>
             <a:pPr lvl="1"/>
             <a:r>
-              <a:rPr lang="en-US" smtClean="0"/>
+              <a:rPr lang="en-US"/>
               <a:t>Second level</a:t>
             </a:r>
           </a:p>
           <a:p>
             <a:pPr lvl="2"/>
             <a:r>
-              <a:rPr lang="en-US" smtClean="0"/>
+              <a:rPr lang="en-US"/>
               <a:t>Third level</a:t>
             </a:r>
           </a:p>
           <a:p>
             <a:pPr lvl="3"/>
             <a:r>
-              <a:rPr lang="en-US" smtClean="0"/>
+              <a:rPr lang="en-US"/>
               <a:t>Fourth level</a:t>
             </a:r>
           </a:p>
           <a:p>
             <a:pPr lvl="4"/>
             <a:r>
-              <a:rPr lang="en-US" smtClean="0"/>
+              <a:rPr lang="en-US"/>
               <a:t>Fifth level</a:t>
             </a:r>
-            <a:endParaRPr lang="en-US"/>
           </a:p>
         </p:txBody>
       </p:sp>
@@ -2584,7 +2581,7 @@
           <a:p>
             <a:pPr lvl="0"/>
             <a:r>
-              <a:rPr lang="en-US" smtClean="0"/>
+              <a:rPr lang="en-US"/>
               <a:t>Click to edit Master text styles</a:t>
             </a:r>
           </a:p>
@@ -2607,7 +2604,7 @@
           <a:p>
             <a:fld id="{78C97017-6FC3-485B-9764-EAC9E56C1D49}" type="datetimeFigureOut">
               <a:rPr lang="en-US" smtClean="0"/>
-              <a:t>10/16/2016</a:t>
+              <a:t>11/10/2018</a:t>
             </a:fld>
             <a:endParaRPr lang="en-US"/>
           </a:p>
@@ -2710,10 +2707,9 @@
           </a:lstStyle>
           <a:p>
             <a:r>
-              <a:rPr lang="en-US" smtClean="0"/>
+              <a:rPr lang="en-US"/>
               <a:t>Click to edit Master title style</a:t>
             </a:r>
-            <a:endParaRPr lang="en-US"/>
           </a:p>
         </p:txBody>
       </p:sp>
@@ -2837,7 +2833,7 @@
           <a:p>
             <a:pPr lvl="0"/>
             <a:r>
-              <a:rPr lang="en-US" smtClean="0"/>
+              <a:rPr lang="en-US"/>
               <a:t>Click to edit Master text styles</a:t>
             </a:r>
           </a:p>
@@ -2860,7 +2856,7 @@
           <a:p>
             <a:fld id="{78C97017-6FC3-485B-9764-EAC9E56C1D49}" type="datetimeFigureOut">
               <a:rPr lang="en-US" smtClean="0"/>
-              <a:t>10/16/2016</a:t>
+              <a:t>11/10/2018</a:t>
             </a:fld>
             <a:endParaRPr lang="en-US"/>
           </a:p>
@@ -2969,10 +2965,9 @@
           <a:lstStyle/>
           <a:p>
             <a:r>
-              <a:rPr lang="en-US" smtClean="0"/>
+              <a:rPr lang="en-US"/>
               <a:t>Click to edit Master title style</a:t>
             </a:r>
-            <a:endParaRPr lang="en-US"/>
           </a:p>
         </p:txBody>
       </p:sp>
@@ -3003,38 +2998,37 @@
           <a:p>
             <a:pPr lvl="0"/>
             <a:r>
-              <a:rPr lang="en-US" smtClean="0"/>
+              <a:rPr lang="en-US"/>
               <a:t>Click to edit Master text styles</a:t>
             </a:r>
           </a:p>
           <a:p>
             <a:pPr lvl="1"/>
             <a:r>
-              <a:rPr lang="en-US" smtClean="0"/>
+              <a:rPr lang="en-US"/>
               <a:t>Second level</a:t>
             </a:r>
           </a:p>
           <a:p>
             <a:pPr lvl="2"/>
             <a:r>
-              <a:rPr lang="en-US" smtClean="0"/>
+              <a:rPr lang="en-US"/>
               <a:t>Third level</a:t>
             </a:r>
           </a:p>
           <a:p>
             <a:pPr lvl="3"/>
             <a:r>
-              <a:rPr lang="en-US" smtClean="0"/>
+              <a:rPr lang="en-US"/>
               <a:t>Fourth level</a:t>
             </a:r>
           </a:p>
           <a:p>
             <a:pPr lvl="4"/>
             <a:r>
-              <a:rPr lang="en-US" smtClean="0"/>
+              <a:rPr lang="en-US"/>
               <a:t>Fifth level</a:t>
             </a:r>
-            <a:endParaRPr lang="en-US"/>
           </a:p>
         </p:txBody>
       </p:sp>
@@ -3073,7 +3067,7 @@
           <a:p>
             <a:fld id="{78C97017-6FC3-485B-9764-EAC9E56C1D49}" type="datetimeFigureOut">
               <a:rPr lang="en-US" smtClean="0"/>
-              <a:t>10/16/2016</a:t>
+              <a:t>11/10/2018</a:t>
             </a:fld>
             <a:endParaRPr lang="en-US"/>
           </a:p>
@@ -3456,8 +3450,8 @@
         </p:nvSpPr>
         <p:spPr>
           <a:xfrm>
-            <a:off x="1119865" y="2086382"/>
-            <a:ext cx="7871735" cy="1723618"/>
+            <a:off x="318986" y="2133831"/>
+            <a:ext cx="8825014" cy="5234688"/>
           </a:xfrm>
           <a:prstGeom prst="roundRect">
             <a:avLst>
@@ -3494,7 +3488,7 @@
           <a:lstStyle/>
           <a:p>
             <a:r>
-              <a:rPr lang="en-US" sz="1200" b="1" dirty="0" smtClean="0">
+              <a:rPr lang="en-US" sz="1200" b="1" dirty="0">
                 <a:solidFill>
                   <a:schemeClr val="accent6">
                     <a:lumMod val="75000"/>
@@ -3521,8 +3515,8 @@
         </p:nvSpPr>
         <p:spPr>
           <a:xfrm>
-            <a:off x="2877180" y="3158440"/>
-            <a:ext cx="1323049" cy="346760"/>
+            <a:off x="2150403" y="3158440"/>
+            <a:ext cx="1466177" cy="346760"/>
           </a:xfrm>
           <a:prstGeom prst="rect">
             <a:avLst/>
@@ -3561,7 +3555,7 @@
           <a:p>
             <a:pPr algn="ctr"/>
             <a:r>
-              <a:rPr lang="en-US" sz="1050" dirty="0" smtClean="0">
+              <a:rPr lang="en-US" sz="1050" dirty="0">
                 <a:solidFill>
                   <a:schemeClr val="bg1"/>
                 </a:solidFill>
@@ -3569,19 +3563,19 @@
               <a:t>&lt;&lt;interface&gt;&gt;</a:t>
             </a:r>
             <a:br>
-              <a:rPr lang="en-US" sz="1050" dirty="0" smtClean="0">
+              <a:rPr lang="en-US" sz="1050" dirty="0">
                 <a:solidFill>
                   <a:schemeClr val="bg1"/>
                 </a:solidFill>
               </a:rPr>
             </a:br>
             <a:r>
-              <a:rPr lang="en-US" sz="1050" dirty="0" err="1" smtClean="0">
+              <a:rPr lang="en-US" sz="1050" dirty="0" err="1">
                 <a:solidFill>
                   <a:schemeClr val="bg1"/>
                 </a:solidFill>
               </a:rPr>
-              <a:t>AddressBookStorage</a:t>
+              <a:t>InventoryStorage</a:t>
             </a:r>
             <a:endParaRPr lang="en-SG" sz="1050" dirty="0">
               <a:solidFill>
@@ -3599,8 +3593,8 @@
         </p:nvSpPr>
         <p:spPr>
           <a:xfrm rot="16200000">
-            <a:off x="1683963" y="2868687"/>
-            <a:ext cx="1093635" cy="346760"/>
+            <a:off x="15618" y="3855541"/>
+            <a:ext cx="3067343" cy="346760"/>
           </a:xfrm>
           <a:prstGeom prst="rect">
             <a:avLst/>
@@ -3639,7 +3633,7 @@
           <a:p>
             <a:pPr algn="ctr"/>
             <a:r>
-              <a:rPr lang="en-US" sz="1050" dirty="0" err="1" smtClean="0">
+              <a:rPr lang="en-US" sz="1050" dirty="0" err="1">
                 <a:solidFill>
                   <a:schemeClr val="bg1"/>
                 </a:solidFill>
@@ -3662,7 +3656,7 @@
         </p:nvSpPr>
         <p:spPr>
           <a:xfrm rot="16200000">
-            <a:off x="956202" y="2861202"/>
+            <a:off x="274711" y="2861202"/>
             <a:ext cx="1093635" cy="346760"/>
           </a:xfrm>
           <a:prstGeom prst="rect">
@@ -3713,7 +3707,7 @@
           <a:p>
             <a:pPr algn="ctr"/>
             <a:r>
-              <a:rPr lang="en-US" sz="1050" dirty="0" smtClean="0">
+              <a:rPr lang="en-US" sz="1050" dirty="0">
                 <a:solidFill>
                   <a:schemeClr val="bg1"/>
                 </a:solidFill>
@@ -3736,7 +3730,7 @@
         </p:nvSpPr>
         <p:spPr>
           <a:xfrm rot="16200000">
-            <a:off x="1626910" y="2952291"/>
+            <a:off x="945419" y="2952291"/>
             <a:ext cx="270504" cy="175523"/>
           </a:xfrm>
           <a:prstGeom prst="triangle">
@@ -3787,6 +3781,7 @@
         <p:nvCxnSpPr>
           <p:cNvPr id="58" name="Straight Arrow Connector 57"/>
           <p:cNvCxnSpPr>
+            <a:cxnSpLocks/>
             <a:stCxn id="42" idx="3"/>
             <a:endCxn id="2" idx="1"/>
           </p:cNvCxnSpPr>
@@ -3794,8 +3789,8 @@
         </p:nvCxnSpPr>
         <p:spPr>
           <a:xfrm>
-            <a:off x="2656370" y="3326536"/>
-            <a:ext cx="220810" cy="5284"/>
+            <a:off x="1974879" y="3326536"/>
+            <a:ext cx="175524" cy="5284"/>
           </a:xfrm>
           <a:prstGeom prst="straightConnector1">
             <a:avLst/>
@@ -3834,7 +3829,7 @@
         </p:nvCxnSpPr>
         <p:spPr>
           <a:xfrm>
-            <a:off x="910091" y="3040053"/>
+            <a:off x="228600" y="3040053"/>
             <a:ext cx="419548" cy="2860"/>
           </a:xfrm>
           <a:prstGeom prst="bentConnector3">
@@ -3879,7 +3874,7 @@
         </p:nvCxnSpPr>
         <p:spPr>
           <a:xfrm flipV="1">
-            <a:off x="1849924" y="3040052"/>
+            <a:off x="1168433" y="3040052"/>
             <a:ext cx="216105" cy="1"/>
           </a:xfrm>
           <a:prstGeom prst="line">
@@ -3920,7 +3915,7 @@
         </p:nvSpPr>
         <p:spPr>
           <a:xfrm>
-            <a:off x="2420322" y="3239846"/>
+            <a:off x="1738831" y="3239846"/>
             <a:ext cx="236048" cy="173380"/>
           </a:xfrm>
           <a:prstGeom prst="flowChartDecision">
@@ -3967,6 +3962,7 @@
         <p:nvCxnSpPr>
           <p:cNvPr id="97" name="Elbow Connector 63"/>
           <p:cNvCxnSpPr>
+            <a:cxnSpLocks/>
             <a:stCxn id="99" idx="3"/>
             <a:endCxn id="50" idx="1"/>
           </p:cNvCxnSpPr>
@@ -3974,8 +3970,8 @@
         </p:nvCxnSpPr>
         <p:spPr>
           <a:xfrm flipV="1">
-            <a:off x="4398041" y="3331820"/>
-            <a:ext cx="223324" cy="1"/>
+            <a:off x="3786284" y="3331820"/>
+            <a:ext cx="270164" cy="1"/>
           </a:xfrm>
           <a:prstGeom prst="bentConnector3">
             <a:avLst>
@@ -4017,7 +4013,7 @@
         </p:nvSpPr>
         <p:spPr>
           <a:xfrm rot="5400000" flipV="1">
-            <a:off x="4175027" y="3244059"/>
+            <a:off x="3563270" y="3244059"/>
             <a:ext cx="270504" cy="175523"/>
           </a:xfrm>
           <a:prstGeom prst="triangle">
@@ -4075,7 +4071,7 @@
         </p:nvCxnSpPr>
         <p:spPr>
           <a:xfrm>
-            <a:off x="5791200" y="3331820"/>
+            <a:off x="5226283" y="3331820"/>
             <a:ext cx="228600" cy="1970"/>
           </a:xfrm>
           <a:prstGeom prst="bentConnector3">
@@ -4118,7 +4114,7 @@
         </p:nvSpPr>
         <p:spPr>
           <a:xfrm>
-            <a:off x="4621365" y="3158440"/>
+            <a:off x="4056448" y="3158440"/>
             <a:ext cx="1169835" cy="346760"/>
           </a:xfrm>
           <a:prstGeom prst="rect">
@@ -4147,36 +4143,27 @@
           <a:p>
             <a:pPr algn="ctr"/>
             <a:r>
-              <a:rPr lang="en-US" sz="1050" b="1" dirty="0" err="1" smtClean="0">
+              <a:rPr lang="en-US" sz="1050" b="1" dirty="0" err="1">
                 <a:solidFill>
                   <a:schemeClr val="accent6">
                     <a:lumMod val="75000"/>
                   </a:schemeClr>
                 </a:solidFill>
               </a:rPr>
-              <a:t>XmlAddressBook</a:t>
-            </a:r>
-            <a:r>
-              <a:rPr lang="en-US" sz="1050" b="1" dirty="0" smtClean="0">
-                <a:solidFill>
-                  <a:schemeClr val="accent6">
-                    <a:lumMod val="75000"/>
-                  </a:schemeClr>
-                </a:solidFill>
-              </a:rPr>
-              <a:t/>
-            </a:r>
-            <a:br>
-              <a:rPr lang="en-US" sz="1050" b="1" dirty="0" smtClean="0">
-                <a:solidFill>
-                  <a:schemeClr val="accent6">
-                    <a:lumMod val="75000"/>
-                  </a:schemeClr>
-                </a:solidFill>
-              </a:rPr>
-            </a:br>
-            <a:r>
-              <a:rPr lang="en-US" sz="1050" b="1" dirty="0" smtClean="0">
+              <a:t>XmlInventory</a:t>
+            </a:r>
+            <a:endParaRPr lang="en-US" sz="1050" b="1" dirty="0">
+              <a:solidFill>
+                <a:schemeClr val="accent6">
+                  <a:lumMod val="75000"/>
+                </a:schemeClr>
+              </a:solidFill>
+            </a:endParaRPr>
+          </a:p>
+          <a:p>
+            <a:pPr algn="ctr"/>
+            <a:r>
+              <a:rPr lang="en-US" sz="1050" b="1" dirty="0">
                 <a:solidFill>
                   <a:schemeClr val="accent6">
                     <a:lumMod val="75000"/>
@@ -4203,7 +4190,7 @@
         </p:nvSpPr>
         <p:spPr>
           <a:xfrm>
-            <a:off x="2873943" y="2558040"/>
+            <a:off x="2192452" y="2558040"/>
             <a:ext cx="1323049" cy="346760"/>
           </a:xfrm>
           <a:prstGeom prst="rect">
@@ -4243,7 +4230,7 @@
           <a:p>
             <a:pPr algn="ctr"/>
             <a:r>
-              <a:rPr lang="en-US" sz="1050" dirty="0" smtClean="0">
+              <a:rPr lang="en-US" sz="1050" dirty="0">
                 <a:solidFill>
                   <a:schemeClr val="bg1"/>
                 </a:solidFill>
@@ -4251,14 +4238,14 @@
               <a:t>&lt;&lt;interface&gt;&gt;</a:t>
             </a:r>
             <a:br>
-              <a:rPr lang="en-US" sz="1050" dirty="0" smtClean="0">
+              <a:rPr lang="en-US" sz="1050" dirty="0">
                 <a:solidFill>
                   <a:schemeClr val="bg1"/>
                 </a:solidFill>
               </a:rPr>
             </a:br>
             <a:r>
-              <a:rPr lang="en-US" sz="1050" dirty="0" err="1" smtClean="0">
+              <a:rPr lang="en-US" sz="1050" dirty="0" err="1">
                 <a:solidFill>
                   <a:schemeClr val="bg1"/>
                 </a:solidFill>
@@ -4284,7 +4271,7 @@
         </p:nvCxnSpPr>
         <p:spPr>
           <a:xfrm>
-            <a:off x="2653133" y="2726136"/>
+            <a:off x="1971642" y="2726136"/>
             <a:ext cx="220810" cy="5284"/>
           </a:xfrm>
           <a:prstGeom prst="straightConnector1">
@@ -4324,7 +4311,7 @@
         </p:nvSpPr>
         <p:spPr>
           <a:xfrm>
-            <a:off x="2417085" y="2639446"/>
+            <a:off x="1735594" y="2639446"/>
             <a:ext cx="236048" cy="173380"/>
           </a:xfrm>
           <a:prstGeom prst="flowChartDecision">
@@ -4378,7 +4365,7 @@
         </p:nvCxnSpPr>
         <p:spPr>
           <a:xfrm flipV="1">
-            <a:off x="4394804" y="2731420"/>
+            <a:off x="3713313" y="2731420"/>
             <a:ext cx="223324" cy="1"/>
           </a:xfrm>
           <a:prstGeom prst="bentConnector3">
@@ -4421,7 +4408,7 @@
         </p:nvSpPr>
         <p:spPr>
           <a:xfrm rot="5400000" flipV="1">
-            <a:off x="4171790" y="2643659"/>
+            <a:off x="3490299" y="2643659"/>
             <a:ext cx="270504" cy="175523"/>
           </a:xfrm>
           <a:prstGeom prst="triangle">
@@ -4476,7 +4463,7 @@
         </p:nvSpPr>
         <p:spPr>
           <a:xfrm>
-            <a:off x="4618128" y="2558040"/>
+            <a:off x="3936637" y="2558040"/>
             <a:ext cx="1093635" cy="346760"/>
           </a:xfrm>
           <a:prstGeom prst="rect">
@@ -4516,30 +4503,22 @@
           <a:p>
             <a:pPr algn="ctr"/>
             <a:r>
-              <a:rPr lang="en-US" sz="1050" dirty="0" err="1" smtClean="0">
+              <a:rPr lang="en-US" sz="1050" dirty="0" err="1">
                 <a:solidFill>
                   <a:schemeClr val="bg1"/>
                 </a:solidFill>
               </a:rPr>
               <a:t>JsonUserPrefs</a:t>
             </a:r>
-            <a:r>
-              <a:rPr lang="en-US" sz="1050" dirty="0" smtClean="0">
-                <a:solidFill>
-                  <a:schemeClr val="bg1"/>
-                </a:solidFill>
-              </a:rPr>
-              <a:t/>
-            </a:r>
             <a:br>
-              <a:rPr lang="en-US" sz="1050" dirty="0" smtClean="0">
+              <a:rPr lang="en-US" sz="1050" dirty="0">
                 <a:solidFill>
                   <a:schemeClr val="bg1"/>
                 </a:solidFill>
               </a:rPr>
             </a:br>
             <a:r>
-              <a:rPr lang="en-US" sz="1050" dirty="0" smtClean="0">
+              <a:rPr lang="en-US" sz="1050" dirty="0">
                 <a:solidFill>
                   <a:schemeClr val="bg1"/>
                 </a:solidFill>
@@ -4562,7 +4541,7 @@
         </p:nvSpPr>
         <p:spPr>
           <a:xfrm>
-            <a:off x="6019800" y="3160410"/>
+            <a:off x="5454883" y="3160410"/>
             <a:ext cx="1200707" cy="346760"/>
           </a:xfrm>
           <a:prstGeom prst="rect">
@@ -4591,7 +4570,7 @@
           <a:p>
             <a:pPr algn="ctr"/>
             <a:r>
-              <a:rPr lang="en-US" sz="1050" b="1" dirty="0" err="1" smtClean="0">
+              <a:rPr lang="en-US" sz="1050" b="1" dirty="0" err="1">
                 <a:solidFill>
                   <a:schemeClr val="accent6">
                     <a:lumMod val="75000"/>
@@ -4600,18 +4579,8 @@
               </a:rPr>
               <a:t>XmlSerializable</a:t>
             </a:r>
-            <a:r>
-              <a:rPr lang="en-US" sz="1050" b="1" dirty="0" smtClean="0">
-                <a:solidFill>
-                  <a:schemeClr val="accent6">
-                    <a:lumMod val="75000"/>
-                  </a:schemeClr>
-                </a:solidFill>
-              </a:rPr>
-              <a:t/>
-            </a:r>
             <a:br>
-              <a:rPr lang="en-US" sz="1050" b="1" dirty="0" smtClean="0">
+              <a:rPr lang="en-US" sz="1050" b="1" dirty="0">
                 <a:solidFill>
                   <a:schemeClr val="accent6">
                     <a:lumMod val="75000"/>
@@ -4620,14 +4589,14 @@
               </a:rPr>
             </a:br>
             <a:r>
-              <a:rPr lang="en-US" sz="1050" b="1" dirty="0" err="1" smtClean="0">
+              <a:rPr lang="en-US" sz="1050" b="1" dirty="0">
                 <a:solidFill>
                   <a:schemeClr val="accent6">
                     <a:lumMod val="75000"/>
                   </a:schemeClr>
                 </a:solidFill>
               </a:rPr>
-              <a:t>AddressBook</a:t>
+              <a:t>Inventory</a:t>
             </a:r>
             <a:endParaRPr lang="en-SG" sz="1050" b="1" dirty="0">
               <a:solidFill>
@@ -4639,19 +4608,76 @@
           </a:p>
         </p:txBody>
       </p:sp>
+      <p:sp>
+        <p:nvSpPr>
+          <p:cNvPr id="74" name="Rectangle 8"/>
+          <p:cNvSpPr/>
+          <p:nvPr/>
+        </p:nvSpPr>
+        <p:spPr>
+          <a:xfrm>
+            <a:off x="6978884" y="3159624"/>
+            <a:ext cx="1551866" cy="346760"/>
+          </a:xfrm>
+          <a:prstGeom prst="rect">
+            <a:avLst/>
+          </a:prstGeom>
+          <a:ln w="19050"/>
+          <a:effectLst/>
+        </p:spPr>
+        <p:style>
+          <a:lnRef idx="1">
+            <a:schemeClr val="accent6"/>
+          </a:lnRef>
+          <a:fillRef idx="2">
+            <a:schemeClr val="accent6"/>
+          </a:fillRef>
+          <a:effectRef idx="1">
+            <a:schemeClr val="accent6"/>
+          </a:effectRef>
+          <a:fontRef idx="minor">
+            <a:schemeClr val="dk1"/>
+          </a:fontRef>
+        </p:style>
+        <p:txBody>
+          <a:bodyPr rtlCol="0" anchor="ctr"/>
+          <a:lstStyle/>
+          <a:p>
+            <a:pPr algn="ctr"/>
+            <a:r>
+              <a:rPr lang="en-US" sz="1050" b="1" dirty="0" err="1">
+                <a:solidFill>
+                  <a:schemeClr val="accent6">
+                    <a:lumMod val="75000"/>
+                  </a:schemeClr>
+                </a:solidFill>
+              </a:rPr>
+              <a:t>XmlAdaptedItem</a:t>
+            </a:r>
+            <a:endParaRPr lang="en-SG" sz="1050" b="1" dirty="0">
+              <a:solidFill>
+                <a:schemeClr val="accent6">
+                  <a:lumMod val="75000"/>
+                </a:schemeClr>
+              </a:solidFill>
+            </a:endParaRPr>
+          </a:p>
+        </p:txBody>
+      </p:sp>
       <p:cxnSp>
         <p:nvCxnSpPr>
-          <p:cNvPr id="70" name="Elbow Connector 122"/>
+          <p:cNvPr id="77" name="Elbow Connector 122"/>
           <p:cNvCxnSpPr>
-            <a:stCxn id="74" idx="0"/>
-            <a:endCxn id="73" idx="2"/>
+            <a:cxnSpLocks/>
+            <a:stCxn id="66" idx="3"/>
+            <a:endCxn id="74" idx="1"/>
           </p:cNvCxnSpPr>
           <p:nvPr/>
         </p:nvCxnSpPr>
         <p:spPr>
-          <a:xfrm rot="5400000" flipH="1" flipV="1">
-            <a:off x="8077993" y="2992020"/>
-            <a:ext cx="335208" cy="12700"/>
+          <a:xfrm flipV="1">
+            <a:off x="6655590" y="3333004"/>
+            <a:ext cx="323294" cy="786"/>
           </a:xfrm>
           <a:prstGeom prst="bentConnector3">
             <a:avLst>
@@ -4682,14 +4708,20 @@
       </p:cxnSp>
       <p:sp>
         <p:nvSpPr>
-          <p:cNvPr id="73" name="Rectangle 8"/>
+          <p:cNvPr id="26" name="Rectangle 8">
+            <a:extLst>
+              <a:ext uri="{FF2B5EF4-FFF2-40B4-BE49-F238E27FC236}">
+                <a16:creationId xmlns:a16="http://schemas.microsoft.com/office/drawing/2014/main" id="{59DA900A-029C-46B2-8E32-103A97BFD43E}"/>
+              </a:ext>
+            </a:extLst>
+          </p:cNvPr>
           <p:cNvSpPr/>
           <p:nvPr/>
         </p:nvSpPr>
         <p:spPr>
           <a:xfrm>
-            <a:off x="7615738" y="2477656"/>
-            <a:ext cx="1259718" cy="346760"/>
+            <a:off x="5438939" y="4093107"/>
+            <a:ext cx="1146083" cy="344790"/>
           </a:xfrm>
           <a:prstGeom prst="rect">
             <a:avLst/>
@@ -4717,7 +4749,151 @@
           <a:p>
             <a:pPr algn="ctr"/>
             <a:r>
-              <a:rPr lang="en-US" sz="1050" b="1" dirty="0" err="1" smtClean="0">
+              <a:rPr lang="en-US" sz="1050" b="1" dirty="0" err="1">
+                <a:solidFill>
+                  <a:schemeClr val="accent6">
+                    <a:lumMod val="75000"/>
+                  </a:schemeClr>
+                </a:solidFill>
+              </a:rPr>
+              <a:t>XmlSerializable</a:t>
+            </a:r>
+            <a:endParaRPr lang="en-US" sz="1050" b="1" dirty="0">
+              <a:solidFill>
+                <a:schemeClr val="accent6">
+                  <a:lumMod val="75000"/>
+                </a:schemeClr>
+              </a:solidFill>
+            </a:endParaRPr>
+          </a:p>
+          <a:p>
+            <a:pPr algn="ctr"/>
+            <a:r>
+              <a:rPr lang="en-US" sz="1050" b="1" dirty="0" err="1">
+                <a:solidFill>
+                  <a:schemeClr val="accent6">
+                    <a:lumMod val="75000"/>
+                  </a:schemeClr>
+                </a:solidFill>
+              </a:rPr>
+              <a:t>StaffList</a:t>
+            </a:r>
+            <a:endParaRPr lang="en-SG" sz="1050" b="1" dirty="0">
+              <a:solidFill>
+                <a:schemeClr val="accent6">
+                  <a:lumMod val="75000"/>
+                </a:schemeClr>
+              </a:solidFill>
+            </a:endParaRPr>
+          </a:p>
+        </p:txBody>
+      </p:sp>
+      <p:sp>
+        <p:nvSpPr>
+          <p:cNvPr id="27" name="Rectangle 8">
+            <a:extLst>
+              <a:ext uri="{FF2B5EF4-FFF2-40B4-BE49-F238E27FC236}">
+                <a16:creationId xmlns:a16="http://schemas.microsoft.com/office/drawing/2014/main" id="{57FD30BA-B9B7-4555-9D95-0D302435B480}"/>
+              </a:ext>
+            </a:extLst>
+          </p:cNvPr>
+          <p:cNvSpPr/>
+          <p:nvPr/>
+        </p:nvSpPr>
+        <p:spPr>
+          <a:xfrm>
+            <a:off x="6978883" y="3657600"/>
+            <a:ext cx="1726743" cy="346760"/>
+          </a:xfrm>
+          <a:prstGeom prst="rect">
+            <a:avLst/>
+          </a:prstGeom>
+          <a:ln w="19050"/>
+          <a:effectLst/>
+        </p:spPr>
+        <p:style>
+          <a:lnRef idx="1">
+            <a:schemeClr val="accent6"/>
+          </a:lnRef>
+          <a:fillRef idx="2">
+            <a:schemeClr val="accent6"/>
+          </a:fillRef>
+          <a:effectRef idx="1">
+            <a:schemeClr val="accent6"/>
+          </a:effectRef>
+          <a:fontRef idx="minor">
+            <a:schemeClr val="dk1"/>
+          </a:fontRef>
+        </p:style>
+        <p:txBody>
+          <a:bodyPr rtlCol="0" anchor="ctr"/>
+          <a:lstStyle/>
+          <a:p>
+            <a:pPr algn="ctr"/>
+            <a:r>
+              <a:rPr lang="en-US" sz="1050" b="1" dirty="0" err="1">
+                <a:solidFill>
+                  <a:schemeClr val="accent6">
+                    <a:lumMod val="75000"/>
+                  </a:schemeClr>
+                </a:solidFill>
+              </a:rPr>
+              <a:t>XmlAdaptedPurchaseOrder</a:t>
+            </a:r>
+            <a:endParaRPr lang="en-SG" sz="1050" b="1" dirty="0">
+              <a:solidFill>
+                <a:schemeClr val="accent6">
+                  <a:lumMod val="75000"/>
+                </a:schemeClr>
+              </a:solidFill>
+            </a:endParaRPr>
+          </a:p>
+        </p:txBody>
+      </p:sp>
+      <p:sp>
+        <p:nvSpPr>
+          <p:cNvPr id="36" name="Rectangle 8">
+            <a:extLst>
+              <a:ext uri="{FF2B5EF4-FFF2-40B4-BE49-F238E27FC236}">
+                <a16:creationId xmlns:a16="http://schemas.microsoft.com/office/drawing/2014/main" id="{99E099F0-82FC-4F7B-B6B6-10FD78446FCC}"/>
+              </a:ext>
+            </a:extLst>
+          </p:cNvPr>
+          <p:cNvSpPr/>
+          <p:nvPr/>
+        </p:nvSpPr>
+        <p:spPr>
+          <a:xfrm>
+            <a:off x="6985877" y="2572983"/>
+            <a:ext cx="1553905" cy="346760"/>
+          </a:xfrm>
+          <a:prstGeom prst="rect">
+            <a:avLst/>
+          </a:prstGeom>
+          <a:ln w="19050"/>
+          <a:effectLst/>
+        </p:spPr>
+        <p:style>
+          <a:lnRef idx="1">
+            <a:schemeClr val="accent6"/>
+          </a:lnRef>
+          <a:fillRef idx="2">
+            <a:schemeClr val="accent6"/>
+          </a:fillRef>
+          <a:effectRef idx="1">
+            <a:schemeClr val="accent6"/>
+          </a:effectRef>
+          <a:fontRef idx="minor">
+            <a:schemeClr val="dk1"/>
+          </a:fontRef>
+        </p:style>
+        <p:txBody>
+          <a:bodyPr rtlCol="0" anchor="ctr"/>
+          <a:lstStyle/>
+          <a:p>
+            <a:pPr algn="ctr"/>
+            <a:r>
+              <a:rPr lang="en-US" sz="1050" b="1" dirty="0" err="1">
                 <a:solidFill>
                   <a:schemeClr val="accent6">
                     <a:lumMod val="75000"/>
@@ -4736,16 +4912,406 @@
           </a:p>
         </p:txBody>
       </p:sp>
-      <p:sp>
-        <p:nvSpPr>
-          <p:cNvPr id="74" name="Rectangle 8"/>
+      <p:cxnSp>
+        <p:nvCxnSpPr>
+          <p:cNvPr id="29" name="Elbow Connector 122">
+            <a:extLst>
+              <a:ext uri="{FF2B5EF4-FFF2-40B4-BE49-F238E27FC236}">
+                <a16:creationId xmlns:a16="http://schemas.microsoft.com/office/drawing/2014/main" id="{13BA9A8B-6C36-4D05-9281-1CB5904F616C}"/>
+              </a:ext>
+            </a:extLst>
+          </p:cNvPr>
+          <p:cNvCxnSpPr>
+            <a:cxnSpLocks/>
+            <a:stCxn id="74" idx="0"/>
+          </p:cNvCxnSpPr>
+          <p:nvPr/>
+        </p:nvCxnSpPr>
+        <p:spPr>
+          <a:xfrm rot="5400000" flipH="1" flipV="1">
+            <a:off x="7641228" y="3039685"/>
+            <a:ext cx="233528" cy="6351"/>
+          </a:xfrm>
+          <a:prstGeom prst="bentConnector3">
+            <a:avLst>
+              <a:gd name="adj1" fmla="val 50000"/>
+            </a:avLst>
+          </a:prstGeom>
+          <a:ln w="19050">
+            <a:prstDash val="sysDot"/>
+            <a:headEnd type="none" w="med" len="med"/>
+            <a:tailEnd type="arrow" w="med" len="med"/>
+          </a:ln>
+          <a:effectLst/>
+        </p:spPr>
+        <p:style>
+          <a:lnRef idx="1">
+            <a:schemeClr val="accent6"/>
+          </a:lnRef>
+          <a:fillRef idx="2">
+            <a:schemeClr val="accent6"/>
+          </a:fillRef>
+          <a:effectRef idx="1">
+            <a:schemeClr val="accent6"/>
+          </a:effectRef>
+          <a:fontRef idx="minor">
+            <a:schemeClr val="dk1"/>
+          </a:fontRef>
+        </p:style>
+      </p:cxnSp>
+      <p:cxnSp>
+        <p:nvCxnSpPr>
+          <p:cNvPr id="33" name="Elbow Connector 122">
+            <a:extLst>
+              <a:ext uri="{FF2B5EF4-FFF2-40B4-BE49-F238E27FC236}">
+                <a16:creationId xmlns:a16="http://schemas.microsoft.com/office/drawing/2014/main" id="{F3B083AC-391B-4260-9664-D2B188291D27}"/>
+              </a:ext>
+            </a:extLst>
+          </p:cNvPr>
+          <p:cNvCxnSpPr>
+            <a:cxnSpLocks/>
+            <a:stCxn id="66" idx="3"/>
+            <a:endCxn id="27" idx="1"/>
+          </p:cNvCxnSpPr>
+          <p:nvPr/>
+        </p:nvCxnSpPr>
+        <p:spPr>
+          <a:xfrm>
+            <a:off x="6655590" y="3333790"/>
+            <a:ext cx="323293" cy="497190"/>
+          </a:xfrm>
+          <a:prstGeom prst="bentConnector3">
+            <a:avLst>
+              <a:gd name="adj1" fmla="val 35269"/>
+            </a:avLst>
+          </a:prstGeom>
+          <a:ln w="19050">
+            <a:prstDash val="sysDot"/>
+            <a:headEnd type="none" w="med" len="med"/>
+            <a:tailEnd type="arrow" w="med" len="med"/>
+          </a:ln>
+          <a:effectLst/>
+        </p:spPr>
+        <p:style>
+          <a:lnRef idx="1">
+            <a:schemeClr val="accent6"/>
+          </a:lnRef>
+          <a:fillRef idx="2">
+            <a:schemeClr val="accent6"/>
+          </a:fillRef>
+          <a:effectRef idx="1">
+            <a:schemeClr val="accent6"/>
+          </a:effectRef>
+          <a:fontRef idx="minor">
+            <a:schemeClr val="dk1"/>
+          </a:fontRef>
+        </p:style>
+      </p:cxnSp>
+      <p:cxnSp>
+        <p:nvCxnSpPr>
+          <p:cNvPr id="37" name="Straight Arrow Connector 36">
+            <a:extLst>
+              <a:ext uri="{FF2B5EF4-FFF2-40B4-BE49-F238E27FC236}">
+                <a16:creationId xmlns:a16="http://schemas.microsoft.com/office/drawing/2014/main" id="{4867F451-D2EB-4B63-AED8-5264F0CFC4DA}"/>
+              </a:ext>
+            </a:extLst>
+          </p:cNvPr>
+          <p:cNvCxnSpPr>
+            <a:cxnSpLocks/>
+          </p:cNvCxnSpPr>
+          <p:nvPr/>
+        </p:nvCxnSpPr>
+        <p:spPr>
+          <a:xfrm flipH="1">
+            <a:off x="2863932" y="3743218"/>
+            <a:ext cx="5284" cy="175524"/>
+          </a:xfrm>
+          <a:prstGeom prst="straightConnector1">
+            <a:avLst/>
+          </a:prstGeom>
+          <a:ln w="19050">
+            <a:solidFill>
+              <a:schemeClr val="accent6">
+                <a:lumMod val="75000"/>
+              </a:schemeClr>
+            </a:solidFill>
+            <a:headEnd type="none" w="med" len="med"/>
+            <a:tailEnd type="arrow" w="med" len="med"/>
+          </a:ln>
+          <a:effectLst/>
+        </p:spPr>
+        <p:style>
+          <a:lnRef idx="1">
+            <a:schemeClr val="accent2"/>
+          </a:lnRef>
+          <a:fillRef idx="2">
+            <a:schemeClr val="accent2"/>
+          </a:fillRef>
+          <a:effectRef idx="1">
+            <a:schemeClr val="accent2"/>
+          </a:effectRef>
+          <a:fontRef idx="minor">
+            <a:schemeClr val="dk1"/>
+          </a:fontRef>
+        </p:style>
+      </p:cxnSp>
+      <p:sp>
+        <p:nvSpPr>
+          <p:cNvPr id="38" name="Flowchart: Decision 96">
+            <a:extLst>
+              <a:ext uri="{FF2B5EF4-FFF2-40B4-BE49-F238E27FC236}">
+                <a16:creationId xmlns:a16="http://schemas.microsoft.com/office/drawing/2014/main" id="{04A3150A-EB55-49FB-8D30-4815E8C10868}"/>
+              </a:ext>
+            </a:extLst>
+          </p:cNvPr>
           <p:cNvSpPr/>
           <p:nvPr/>
         </p:nvSpPr>
         <p:spPr>
+          <a:xfrm rot="5400000">
+            <a:off x="2748551" y="3554126"/>
+            <a:ext cx="236048" cy="173380"/>
+          </a:xfrm>
+          <a:prstGeom prst="flowChartDecision">
+            <a:avLst/>
+          </a:prstGeom>
+          <a:noFill/>
+          <a:ln w="19050">
+            <a:solidFill>
+              <a:schemeClr val="accent6">
+                <a:lumMod val="75000"/>
+              </a:schemeClr>
+            </a:solidFill>
+          </a:ln>
+          <a:effectLst/>
+        </p:spPr>
+        <p:style>
+          <a:lnRef idx="1">
+            <a:schemeClr val="accent2"/>
+          </a:lnRef>
+          <a:fillRef idx="2">
+            <a:schemeClr val="accent2"/>
+          </a:fillRef>
+          <a:effectRef idx="1">
+            <a:schemeClr val="accent2"/>
+          </a:effectRef>
+          <a:fontRef idx="minor">
+            <a:schemeClr val="dk1"/>
+          </a:fontRef>
+        </p:style>
+        <p:txBody>
+          <a:bodyPr rtlCol="0" anchor="ctr"/>
+          <a:lstStyle/>
+          <a:p>
+            <a:pPr algn="ctr"/>
+            <a:endParaRPr lang="en-US" sz="1050">
+              <a:solidFill>
+                <a:schemeClr val="bg1"/>
+              </a:solidFill>
+            </a:endParaRPr>
+          </a:p>
+        </p:txBody>
+      </p:sp>
+      <p:sp>
+        <p:nvSpPr>
+          <p:cNvPr id="40" name="Rectangle 8">
+            <a:extLst>
+              <a:ext uri="{FF2B5EF4-FFF2-40B4-BE49-F238E27FC236}">
+                <a16:creationId xmlns:a16="http://schemas.microsoft.com/office/drawing/2014/main" id="{E00BB7D1-9FBD-486C-BEF5-9291799F7017}"/>
+              </a:ext>
+            </a:extLst>
+          </p:cNvPr>
+          <p:cNvSpPr/>
+          <p:nvPr/>
+        </p:nvSpPr>
+        <p:spPr>
           <a:xfrm>
-            <a:off x="7615738" y="3159624"/>
-            <a:ext cx="1259718" cy="346760"/>
+            <a:off x="2120887" y="3918742"/>
+            <a:ext cx="1466177" cy="346760"/>
+          </a:xfrm>
+          <a:prstGeom prst="rect">
+            <a:avLst/>
+          </a:prstGeom>
+          <a:solidFill>
+            <a:schemeClr val="accent6">
+              <a:lumMod val="75000"/>
+            </a:schemeClr>
+          </a:solidFill>
+          <a:ln w="19050">
+            <a:solidFill>
+              <a:schemeClr val="accent6">
+                <a:lumMod val="75000"/>
+              </a:schemeClr>
+            </a:solidFill>
+          </a:ln>
+          <a:effectLst/>
+        </p:spPr>
+        <p:style>
+          <a:lnRef idx="1">
+            <a:schemeClr val="accent2"/>
+          </a:lnRef>
+          <a:fillRef idx="2">
+            <a:schemeClr val="accent2"/>
+          </a:fillRef>
+          <a:effectRef idx="1">
+            <a:schemeClr val="accent2"/>
+          </a:effectRef>
+          <a:fontRef idx="minor">
+            <a:schemeClr val="dk1"/>
+          </a:fontRef>
+        </p:style>
+        <p:txBody>
+          <a:bodyPr rtlCol="0" anchor="ctr"/>
+          <a:lstStyle/>
+          <a:p>
+            <a:pPr algn="ctr"/>
+            <a:r>
+              <a:rPr lang="en-US" sz="1050" dirty="0">
+                <a:solidFill>
+                  <a:schemeClr val="bg1"/>
+                </a:solidFill>
+              </a:rPr>
+              <a:t>&lt;&lt;interface&gt;&gt;</a:t>
+            </a:r>
+            <a:br>
+              <a:rPr lang="en-US" sz="1050" dirty="0">
+                <a:solidFill>
+                  <a:schemeClr val="bg1"/>
+                </a:solidFill>
+              </a:rPr>
+            </a:br>
+            <a:r>
+              <a:rPr lang="en-US" sz="1050" dirty="0" err="1">
+                <a:solidFill>
+                  <a:schemeClr val="bg1"/>
+                </a:solidFill>
+              </a:rPr>
+              <a:t>StaffListStorage</a:t>
+            </a:r>
+            <a:endParaRPr lang="en-SG" sz="1050" dirty="0">
+              <a:solidFill>
+                <a:schemeClr val="bg1"/>
+              </a:solidFill>
+            </a:endParaRPr>
+          </a:p>
+        </p:txBody>
+      </p:sp>
+      <p:cxnSp>
+        <p:nvCxnSpPr>
+          <p:cNvPr id="41" name="Elbow Connector 122">
+            <a:extLst>
+              <a:ext uri="{FF2B5EF4-FFF2-40B4-BE49-F238E27FC236}">
+                <a16:creationId xmlns:a16="http://schemas.microsoft.com/office/drawing/2014/main" id="{817C79C7-0411-42BB-807D-B19F7E564E15}"/>
+              </a:ext>
+            </a:extLst>
+          </p:cNvPr>
+          <p:cNvCxnSpPr>
+            <a:cxnSpLocks/>
+            <a:stCxn id="50" idx="3"/>
+            <a:endCxn id="26" idx="1"/>
+          </p:cNvCxnSpPr>
+          <p:nvPr/>
+        </p:nvCxnSpPr>
+        <p:spPr>
+          <a:xfrm>
+            <a:off x="5226283" y="3331820"/>
+            <a:ext cx="212656" cy="933682"/>
+          </a:xfrm>
+          <a:prstGeom prst="bentConnector3">
+            <a:avLst>
+              <a:gd name="adj1" fmla="val 33138"/>
+            </a:avLst>
+          </a:prstGeom>
+          <a:ln w="19050">
+            <a:solidFill>
+              <a:schemeClr val="accent6">
+                <a:lumMod val="75000"/>
+              </a:schemeClr>
+            </a:solidFill>
+            <a:prstDash val="sysDot"/>
+            <a:headEnd type="none" w="med" len="med"/>
+            <a:tailEnd type="arrow" w="med" len="med"/>
+          </a:ln>
+          <a:effectLst/>
+        </p:spPr>
+        <p:style>
+          <a:lnRef idx="1">
+            <a:schemeClr val="accent2"/>
+          </a:lnRef>
+          <a:fillRef idx="2">
+            <a:schemeClr val="accent2"/>
+          </a:fillRef>
+          <a:effectRef idx="1">
+            <a:schemeClr val="accent2"/>
+          </a:effectRef>
+          <a:fontRef idx="minor">
+            <a:schemeClr val="dk1"/>
+          </a:fontRef>
+        </p:style>
+      </p:cxnSp>
+      <p:cxnSp>
+        <p:nvCxnSpPr>
+          <p:cNvPr id="48" name="Elbow Connector 122">
+            <a:extLst>
+              <a:ext uri="{FF2B5EF4-FFF2-40B4-BE49-F238E27FC236}">
+                <a16:creationId xmlns:a16="http://schemas.microsoft.com/office/drawing/2014/main" id="{F5B64976-5F21-4FDD-81DD-56AE0A0611D1}"/>
+              </a:ext>
+            </a:extLst>
+          </p:cNvPr>
+          <p:cNvCxnSpPr>
+            <a:cxnSpLocks/>
+            <a:endCxn id="49" idx="1"/>
+          </p:cNvCxnSpPr>
+          <p:nvPr/>
+        </p:nvCxnSpPr>
+        <p:spPr>
+          <a:xfrm>
+            <a:off x="6587405" y="4262451"/>
+            <a:ext cx="391478" cy="3051"/>
+          </a:xfrm>
+          <a:prstGeom prst="bentConnector3">
+            <a:avLst>
+              <a:gd name="adj1" fmla="val 50000"/>
+            </a:avLst>
+          </a:prstGeom>
+          <a:ln w="19050">
+            <a:prstDash val="sysDot"/>
+            <a:headEnd type="none" w="med" len="med"/>
+            <a:tailEnd type="arrow" w="med" len="med"/>
+          </a:ln>
+          <a:effectLst/>
+        </p:spPr>
+        <p:style>
+          <a:lnRef idx="1">
+            <a:schemeClr val="accent6"/>
+          </a:lnRef>
+          <a:fillRef idx="2">
+            <a:schemeClr val="accent6"/>
+          </a:fillRef>
+          <a:effectRef idx="1">
+            <a:schemeClr val="accent6"/>
+          </a:effectRef>
+          <a:fontRef idx="minor">
+            <a:schemeClr val="dk1"/>
+          </a:fontRef>
+        </p:style>
+      </p:cxnSp>
+      <p:sp>
+        <p:nvSpPr>
+          <p:cNvPr id="49" name="Rectangle 8">
+            <a:extLst>
+              <a:ext uri="{FF2B5EF4-FFF2-40B4-BE49-F238E27FC236}">
+                <a16:creationId xmlns:a16="http://schemas.microsoft.com/office/drawing/2014/main" id="{E82E495D-074D-4E72-ACBB-4BB59F049E60}"/>
+              </a:ext>
+            </a:extLst>
+          </p:cNvPr>
+          <p:cNvSpPr/>
+          <p:nvPr/>
+        </p:nvSpPr>
+        <p:spPr>
+          <a:xfrm>
+            <a:off x="6978883" y="4092122"/>
+            <a:ext cx="1551866" cy="346760"/>
           </a:xfrm>
           <a:prstGeom prst="rect">
             <a:avLst/>
@@ -4773,14 +5339,14 @@
           <a:p>
             <a:pPr algn="ctr"/>
             <a:r>
-              <a:rPr lang="en-US" sz="1050" b="1" dirty="0" err="1" smtClean="0">
+              <a:rPr lang="en-US" sz="1050" b="1" dirty="0" err="1">
                 <a:solidFill>
                   <a:schemeClr val="accent6">
                     <a:lumMod val="75000"/>
                   </a:schemeClr>
                 </a:solidFill>
               </a:rPr>
-              <a:t>XmlAdaptedPerson</a:t>
+              <a:t>XmlAdaptedStaff</a:t>
             </a:r>
             <a:endParaRPr lang="en-SG" sz="1050" b="1" dirty="0">
               <a:solidFill>
@@ -4792,19 +5358,2080 @@
           </a:p>
         </p:txBody>
       </p:sp>
+      <p:sp>
+        <p:nvSpPr>
+          <p:cNvPr id="51" name="Rectangle 8">
+            <a:extLst>
+              <a:ext uri="{FF2B5EF4-FFF2-40B4-BE49-F238E27FC236}">
+                <a16:creationId xmlns:a16="http://schemas.microsoft.com/office/drawing/2014/main" id="{2EDD68DF-FC79-4EF0-85AA-A11F3282E5C7}"/>
+              </a:ext>
+            </a:extLst>
+          </p:cNvPr>
+          <p:cNvSpPr/>
+          <p:nvPr/>
+        </p:nvSpPr>
+        <p:spPr>
+          <a:xfrm>
+            <a:off x="2134459" y="4528070"/>
+            <a:ext cx="1466177" cy="346760"/>
+          </a:xfrm>
+          <a:prstGeom prst="rect">
+            <a:avLst/>
+          </a:prstGeom>
+          <a:solidFill>
+            <a:schemeClr val="accent6">
+              <a:lumMod val="75000"/>
+            </a:schemeClr>
+          </a:solidFill>
+          <a:ln w="19050">
+            <a:solidFill>
+              <a:schemeClr val="accent6">
+                <a:lumMod val="75000"/>
+              </a:schemeClr>
+            </a:solidFill>
+          </a:ln>
+          <a:effectLst/>
+        </p:spPr>
+        <p:style>
+          <a:lnRef idx="1">
+            <a:schemeClr val="accent2"/>
+          </a:lnRef>
+          <a:fillRef idx="2">
+            <a:schemeClr val="accent2"/>
+          </a:fillRef>
+          <a:effectRef idx="1">
+            <a:schemeClr val="accent2"/>
+          </a:effectRef>
+          <a:fontRef idx="minor">
+            <a:schemeClr val="dk1"/>
+          </a:fontRef>
+        </p:style>
+        <p:txBody>
+          <a:bodyPr rtlCol="0" anchor="ctr"/>
+          <a:lstStyle/>
+          <a:p>
+            <a:pPr algn="ctr"/>
+            <a:r>
+              <a:rPr lang="en-US" sz="1050" dirty="0">
+                <a:solidFill>
+                  <a:schemeClr val="bg1"/>
+                </a:solidFill>
+              </a:rPr>
+              <a:t>&lt;&lt;interface&gt;&gt;</a:t>
+            </a:r>
+            <a:br>
+              <a:rPr lang="en-US" sz="1050" dirty="0">
+                <a:solidFill>
+                  <a:schemeClr val="bg1"/>
+                </a:solidFill>
+              </a:rPr>
+            </a:br>
+            <a:r>
+              <a:rPr lang="en-US" sz="1050" dirty="0" err="1">
+                <a:solidFill>
+                  <a:schemeClr val="bg1"/>
+                </a:solidFill>
+              </a:rPr>
+              <a:t>SaleListStorage</a:t>
+            </a:r>
+            <a:endParaRPr lang="en-SG" sz="1050" dirty="0">
+              <a:solidFill>
+                <a:schemeClr val="bg1"/>
+              </a:solidFill>
+            </a:endParaRPr>
+          </a:p>
+        </p:txBody>
+      </p:sp>
       <p:cxnSp>
         <p:nvCxnSpPr>
-          <p:cNvPr id="77" name="Elbow Connector 122"/>
+          <p:cNvPr id="53" name="Straight Arrow Connector 52">
+            <a:extLst>
+              <a:ext uri="{FF2B5EF4-FFF2-40B4-BE49-F238E27FC236}">
+                <a16:creationId xmlns:a16="http://schemas.microsoft.com/office/drawing/2014/main" id="{011143E0-F459-4242-A354-6E9828B87C65}"/>
+              </a:ext>
+            </a:extLst>
+          </p:cNvPr>
           <p:cNvCxnSpPr>
-            <a:stCxn id="66" idx="3"/>
-            <a:endCxn id="74" idx="1"/>
+            <a:cxnSpLocks/>
+            <a:stCxn id="55" idx="3"/>
+            <a:endCxn id="51" idx="1"/>
           </p:cNvCxnSpPr>
           <p:nvPr/>
         </p:nvCxnSpPr>
         <p:spPr>
+          <a:xfrm>
+            <a:off x="1958935" y="4696166"/>
+            <a:ext cx="175524" cy="5284"/>
+          </a:xfrm>
+          <a:prstGeom prst="straightConnector1">
+            <a:avLst/>
+          </a:prstGeom>
+          <a:ln w="19050">
+            <a:solidFill>
+              <a:schemeClr val="accent6">
+                <a:lumMod val="75000"/>
+              </a:schemeClr>
+            </a:solidFill>
+            <a:headEnd type="none" w="med" len="med"/>
+            <a:tailEnd type="arrow" w="med" len="med"/>
+          </a:ln>
+          <a:effectLst/>
+        </p:spPr>
+        <p:style>
+          <a:lnRef idx="1">
+            <a:schemeClr val="accent2"/>
+          </a:lnRef>
+          <a:fillRef idx="2">
+            <a:schemeClr val="accent2"/>
+          </a:fillRef>
+          <a:effectRef idx="1">
+            <a:schemeClr val="accent2"/>
+          </a:effectRef>
+          <a:fontRef idx="minor">
+            <a:schemeClr val="dk1"/>
+          </a:fontRef>
+        </p:style>
+      </p:cxnSp>
+      <p:sp>
+        <p:nvSpPr>
+          <p:cNvPr id="55" name="Flowchart: Decision 96">
+            <a:extLst>
+              <a:ext uri="{FF2B5EF4-FFF2-40B4-BE49-F238E27FC236}">
+                <a16:creationId xmlns:a16="http://schemas.microsoft.com/office/drawing/2014/main" id="{B958E561-93B4-4C54-B73A-6C3716167D63}"/>
+              </a:ext>
+            </a:extLst>
+          </p:cNvPr>
+          <p:cNvSpPr/>
+          <p:nvPr/>
+        </p:nvSpPr>
+        <p:spPr>
+          <a:xfrm>
+            <a:off x="1722887" y="4609476"/>
+            <a:ext cx="236048" cy="173380"/>
+          </a:xfrm>
+          <a:prstGeom prst="flowChartDecision">
+            <a:avLst/>
+          </a:prstGeom>
+          <a:noFill/>
+          <a:ln w="19050">
+            <a:solidFill>
+              <a:schemeClr val="accent6">
+                <a:lumMod val="75000"/>
+              </a:schemeClr>
+            </a:solidFill>
+          </a:ln>
+          <a:effectLst/>
+        </p:spPr>
+        <p:style>
+          <a:lnRef idx="1">
+            <a:schemeClr val="accent2"/>
+          </a:lnRef>
+          <a:fillRef idx="2">
+            <a:schemeClr val="accent2"/>
+          </a:fillRef>
+          <a:effectRef idx="1">
+            <a:schemeClr val="accent2"/>
+          </a:effectRef>
+          <a:fontRef idx="minor">
+            <a:schemeClr val="dk1"/>
+          </a:fontRef>
+        </p:style>
+        <p:txBody>
+          <a:bodyPr rtlCol="0" anchor="ctr"/>
+          <a:lstStyle/>
+          <a:p>
+            <a:pPr algn="ctr"/>
+            <a:endParaRPr lang="en-US" sz="1050">
+              <a:solidFill>
+                <a:schemeClr val="bg1"/>
+              </a:solidFill>
+            </a:endParaRPr>
+          </a:p>
+        </p:txBody>
+      </p:sp>
+      <p:cxnSp>
+        <p:nvCxnSpPr>
+          <p:cNvPr id="57" name="Elbow Connector 63">
+            <a:extLst>
+              <a:ext uri="{FF2B5EF4-FFF2-40B4-BE49-F238E27FC236}">
+                <a16:creationId xmlns:a16="http://schemas.microsoft.com/office/drawing/2014/main" id="{80C729A6-19B5-4601-9199-82CD5E65D34D}"/>
+              </a:ext>
+            </a:extLst>
+          </p:cNvPr>
+          <p:cNvCxnSpPr>
+            <a:cxnSpLocks/>
+            <a:stCxn id="59" idx="3"/>
+            <a:endCxn id="63" idx="1"/>
+          </p:cNvCxnSpPr>
+          <p:nvPr/>
+        </p:nvCxnSpPr>
+        <p:spPr>
           <a:xfrm flipV="1">
-            <a:off x="7220507" y="3333004"/>
-            <a:ext cx="395231" cy="786"/>
+            <a:off x="3770340" y="4701450"/>
+            <a:ext cx="270164" cy="1"/>
+          </a:xfrm>
+          <a:prstGeom prst="bentConnector3">
+            <a:avLst>
+              <a:gd name="adj1" fmla="val 50000"/>
+            </a:avLst>
+          </a:prstGeom>
+          <a:ln w="19050">
+            <a:solidFill>
+              <a:schemeClr val="accent6">
+                <a:lumMod val="75000"/>
+              </a:schemeClr>
+            </a:solidFill>
+            <a:prstDash val="sysDot"/>
+            <a:headEnd type="none" w="med" len="med"/>
+            <a:tailEnd type="none" w="med" len="med"/>
+          </a:ln>
+          <a:effectLst/>
+        </p:spPr>
+        <p:style>
+          <a:lnRef idx="1">
+            <a:schemeClr val="accent2"/>
+          </a:lnRef>
+          <a:fillRef idx="2">
+            <a:schemeClr val="accent2"/>
+          </a:fillRef>
+          <a:effectRef idx="1">
+            <a:schemeClr val="accent2"/>
+          </a:effectRef>
+          <a:fontRef idx="minor">
+            <a:schemeClr val="dk1"/>
+          </a:fontRef>
+        </p:style>
+      </p:cxnSp>
+      <p:sp>
+        <p:nvSpPr>
+          <p:cNvPr id="59" name="Isosceles Triangle 102">
+            <a:extLst>
+              <a:ext uri="{FF2B5EF4-FFF2-40B4-BE49-F238E27FC236}">
+                <a16:creationId xmlns:a16="http://schemas.microsoft.com/office/drawing/2014/main" id="{7C77F91C-FEB0-4433-A03F-B3FAE4F4E6B6}"/>
+              </a:ext>
+            </a:extLst>
+          </p:cNvPr>
+          <p:cNvSpPr/>
+          <p:nvPr/>
+        </p:nvSpPr>
+        <p:spPr>
+          <a:xfrm rot="5400000" flipV="1">
+            <a:off x="3547326" y="4613689"/>
+            <a:ext cx="270504" cy="175523"/>
+          </a:xfrm>
+          <a:prstGeom prst="triangle">
+            <a:avLst/>
+          </a:prstGeom>
+          <a:solidFill>
+            <a:schemeClr val="accent6">
+              <a:lumMod val="75000"/>
+            </a:schemeClr>
+          </a:solidFill>
+          <a:ln w="19050">
+            <a:solidFill>
+              <a:schemeClr val="accent6">
+                <a:lumMod val="75000"/>
+              </a:schemeClr>
+            </a:solidFill>
+          </a:ln>
+          <a:effectLst/>
+        </p:spPr>
+        <p:style>
+          <a:lnRef idx="1">
+            <a:schemeClr val="accent2"/>
+          </a:lnRef>
+          <a:fillRef idx="2">
+            <a:schemeClr val="accent2"/>
+          </a:fillRef>
+          <a:effectRef idx="1">
+            <a:schemeClr val="accent2"/>
+          </a:effectRef>
+          <a:fontRef idx="minor">
+            <a:schemeClr val="dk1"/>
+          </a:fontRef>
+        </p:style>
+        <p:txBody>
+          <a:bodyPr rtlCol="0" anchor="ctr"/>
+          <a:lstStyle/>
+          <a:p>
+            <a:pPr algn="ctr"/>
+            <a:endParaRPr lang="en-SG" sz="1050">
+              <a:solidFill>
+                <a:schemeClr val="bg1"/>
+              </a:solidFill>
+            </a:endParaRPr>
+          </a:p>
+        </p:txBody>
+      </p:sp>
+      <p:cxnSp>
+        <p:nvCxnSpPr>
+          <p:cNvPr id="62" name="Elbow Connector 122">
+            <a:extLst>
+              <a:ext uri="{FF2B5EF4-FFF2-40B4-BE49-F238E27FC236}">
+                <a16:creationId xmlns:a16="http://schemas.microsoft.com/office/drawing/2014/main" id="{53EBFC38-C7D8-4084-BE55-2A5259F486CD}"/>
+              </a:ext>
+            </a:extLst>
+          </p:cNvPr>
+          <p:cNvCxnSpPr>
+            <a:stCxn id="63" idx="3"/>
+            <a:endCxn id="64" idx="1"/>
+          </p:cNvCxnSpPr>
+          <p:nvPr/>
+        </p:nvCxnSpPr>
+        <p:spPr>
+          <a:xfrm>
+            <a:off x="5210339" y="4701450"/>
+            <a:ext cx="228600" cy="1970"/>
+          </a:xfrm>
+          <a:prstGeom prst="bentConnector3">
+            <a:avLst>
+              <a:gd name="adj1" fmla="val 50000"/>
+            </a:avLst>
+          </a:prstGeom>
+          <a:ln w="19050">
+            <a:solidFill>
+              <a:schemeClr val="accent6">
+                <a:lumMod val="75000"/>
+              </a:schemeClr>
+            </a:solidFill>
+            <a:prstDash val="sysDot"/>
+            <a:headEnd type="none" w="med" len="med"/>
+            <a:tailEnd type="arrow" w="med" len="med"/>
+          </a:ln>
+          <a:effectLst/>
+        </p:spPr>
+        <p:style>
+          <a:lnRef idx="1">
+            <a:schemeClr val="accent2"/>
+          </a:lnRef>
+          <a:fillRef idx="2">
+            <a:schemeClr val="accent2"/>
+          </a:fillRef>
+          <a:effectRef idx="1">
+            <a:schemeClr val="accent2"/>
+          </a:effectRef>
+          <a:fontRef idx="minor">
+            <a:schemeClr val="dk1"/>
+          </a:fontRef>
+        </p:style>
+      </p:cxnSp>
+      <p:sp>
+        <p:nvSpPr>
+          <p:cNvPr id="63" name="Rectangle 8">
+            <a:extLst>
+              <a:ext uri="{FF2B5EF4-FFF2-40B4-BE49-F238E27FC236}">
+                <a16:creationId xmlns:a16="http://schemas.microsoft.com/office/drawing/2014/main" id="{E95CEE65-7248-4630-9C7A-37B82578A037}"/>
+              </a:ext>
+            </a:extLst>
+          </p:cNvPr>
+          <p:cNvSpPr/>
+          <p:nvPr/>
+        </p:nvSpPr>
+        <p:spPr>
+          <a:xfrm>
+            <a:off x="4040504" y="4528070"/>
+            <a:ext cx="1169835" cy="346760"/>
+          </a:xfrm>
+          <a:prstGeom prst="rect">
+            <a:avLst/>
+          </a:prstGeom>
+          <a:ln w="19050"/>
+          <a:effectLst/>
+        </p:spPr>
+        <p:style>
+          <a:lnRef idx="1">
+            <a:schemeClr val="accent6"/>
+          </a:lnRef>
+          <a:fillRef idx="2">
+            <a:schemeClr val="accent6"/>
+          </a:fillRef>
+          <a:effectRef idx="1">
+            <a:schemeClr val="accent6"/>
+          </a:effectRef>
+          <a:fontRef idx="minor">
+            <a:schemeClr val="dk1"/>
+          </a:fontRef>
+        </p:style>
+        <p:txBody>
+          <a:bodyPr rtlCol="0" anchor="ctr"/>
+          <a:lstStyle/>
+          <a:p>
+            <a:pPr algn="ctr"/>
+            <a:r>
+              <a:rPr lang="en-US" sz="1050" b="1" dirty="0" err="1">
+                <a:solidFill>
+                  <a:schemeClr val="accent6">
+                    <a:lumMod val="75000"/>
+                  </a:schemeClr>
+                </a:solidFill>
+              </a:rPr>
+              <a:t>XmlSalesList</a:t>
+            </a:r>
+            <a:endParaRPr lang="en-US" sz="1050" b="1" dirty="0">
+              <a:solidFill>
+                <a:schemeClr val="accent6">
+                  <a:lumMod val="75000"/>
+                </a:schemeClr>
+              </a:solidFill>
+            </a:endParaRPr>
+          </a:p>
+          <a:p>
+            <a:pPr algn="ctr"/>
+            <a:r>
+              <a:rPr lang="en-US" sz="1050" b="1" dirty="0">
+                <a:solidFill>
+                  <a:schemeClr val="accent6">
+                    <a:lumMod val="75000"/>
+                  </a:schemeClr>
+                </a:solidFill>
+              </a:rPr>
+              <a:t>Storage</a:t>
+            </a:r>
+            <a:endParaRPr lang="en-SG" sz="1050" b="1" dirty="0">
+              <a:solidFill>
+                <a:schemeClr val="accent6">
+                  <a:lumMod val="75000"/>
+                </a:schemeClr>
+              </a:solidFill>
+            </a:endParaRPr>
+          </a:p>
+        </p:txBody>
+      </p:sp>
+      <p:sp>
+        <p:nvSpPr>
+          <p:cNvPr id="64" name="Rectangle 8">
+            <a:extLst>
+              <a:ext uri="{FF2B5EF4-FFF2-40B4-BE49-F238E27FC236}">
+                <a16:creationId xmlns:a16="http://schemas.microsoft.com/office/drawing/2014/main" id="{7E36D42F-14A1-4CED-BB18-98C54C264829}"/>
+              </a:ext>
+            </a:extLst>
+          </p:cNvPr>
+          <p:cNvSpPr/>
+          <p:nvPr/>
+        </p:nvSpPr>
+        <p:spPr>
+          <a:xfrm>
+            <a:off x="5438939" y="4530040"/>
+            <a:ext cx="1200707" cy="346760"/>
+          </a:xfrm>
+          <a:prstGeom prst="rect">
+            <a:avLst/>
+          </a:prstGeom>
+          <a:ln w="19050"/>
+          <a:effectLst/>
+        </p:spPr>
+        <p:style>
+          <a:lnRef idx="1">
+            <a:schemeClr val="accent6"/>
+          </a:lnRef>
+          <a:fillRef idx="2">
+            <a:schemeClr val="accent6"/>
+          </a:fillRef>
+          <a:effectRef idx="1">
+            <a:schemeClr val="accent6"/>
+          </a:effectRef>
+          <a:fontRef idx="minor">
+            <a:schemeClr val="dk1"/>
+          </a:fontRef>
+        </p:style>
+        <p:txBody>
+          <a:bodyPr rtlCol="0" anchor="ctr"/>
+          <a:lstStyle/>
+          <a:p>
+            <a:pPr algn="ctr"/>
+            <a:r>
+              <a:rPr lang="en-US" sz="1050" b="1" dirty="0" err="1">
+                <a:solidFill>
+                  <a:schemeClr val="accent6">
+                    <a:lumMod val="75000"/>
+                  </a:schemeClr>
+                </a:solidFill>
+              </a:rPr>
+              <a:t>XmlSerializable</a:t>
+            </a:r>
+            <a:br>
+              <a:rPr lang="en-US" sz="1050" b="1" dirty="0">
+                <a:solidFill>
+                  <a:schemeClr val="accent6">
+                    <a:lumMod val="75000"/>
+                  </a:schemeClr>
+                </a:solidFill>
+              </a:rPr>
+            </a:br>
+            <a:r>
+              <a:rPr lang="en-US" sz="1050" b="1" dirty="0" err="1">
+                <a:solidFill>
+                  <a:schemeClr val="accent6">
+                    <a:lumMod val="75000"/>
+                  </a:schemeClr>
+                </a:solidFill>
+              </a:rPr>
+              <a:t>SaleList</a:t>
+            </a:r>
+            <a:endParaRPr lang="en-SG" sz="1050" b="1" dirty="0">
+              <a:solidFill>
+                <a:schemeClr val="accent6">
+                  <a:lumMod val="75000"/>
+                </a:schemeClr>
+              </a:solidFill>
+            </a:endParaRPr>
+          </a:p>
+        </p:txBody>
+      </p:sp>
+      <p:sp>
+        <p:nvSpPr>
+          <p:cNvPr id="67" name="Rectangle 8">
+            <a:extLst>
+              <a:ext uri="{FF2B5EF4-FFF2-40B4-BE49-F238E27FC236}">
+                <a16:creationId xmlns:a16="http://schemas.microsoft.com/office/drawing/2014/main" id="{9981D925-7078-46E7-8B62-5CE29E5CA1BE}"/>
+              </a:ext>
+            </a:extLst>
+          </p:cNvPr>
+          <p:cNvSpPr/>
+          <p:nvPr/>
+        </p:nvSpPr>
+        <p:spPr>
+          <a:xfrm>
+            <a:off x="6962940" y="4529254"/>
+            <a:ext cx="1551866" cy="346760"/>
+          </a:xfrm>
+          <a:prstGeom prst="rect">
+            <a:avLst/>
+          </a:prstGeom>
+          <a:ln w="19050"/>
+          <a:effectLst/>
+        </p:spPr>
+        <p:style>
+          <a:lnRef idx="1">
+            <a:schemeClr val="accent6"/>
+          </a:lnRef>
+          <a:fillRef idx="2">
+            <a:schemeClr val="accent6"/>
+          </a:fillRef>
+          <a:effectRef idx="1">
+            <a:schemeClr val="accent6"/>
+          </a:effectRef>
+          <a:fontRef idx="minor">
+            <a:schemeClr val="dk1"/>
+          </a:fontRef>
+        </p:style>
+        <p:txBody>
+          <a:bodyPr rtlCol="0" anchor="ctr"/>
+          <a:lstStyle/>
+          <a:p>
+            <a:pPr algn="ctr"/>
+            <a:r>
+              <a:rPr lang="en-US" sz="1050" b="1" dirty="0" err="1">
+                <a:solidFill>
+                  <a:schemeClr val="accent6">
+                    <a:lumMod val="75000"/>
+                  </a:schemeClr>
+                </a:solidFill>
+              </a:rPr>
+              <a:t>XmlAdaptedSale</a:t>
+            </a:r>
+            <a:endParaRPr lang="en-SG" sz="1050" b="1" dirty="0">
+              <a:solidFill>
+                <a:schemeClr val="accent6">
+                  <a:lumMod val="75000"/>
+                </a:schemeClr>
+              </a:solidFill>
+            </a:endParaRPr>
+          </a:p>
+        </p:txBody>
+      </p:sp>
+      <p:cxnSp>
+        <p:nvCxnSpPr>
+          <p:cNvPr id="68" name="Elbow Connector 122">
+            <a:extLst>
+              <a:ext uri="{FF2B5EF4-FFF2-40B4-BE49-F238E27FC236}">
+                <a16:creationId xmlns:a16="http://schemas.microsoft.com/office/drawing/2014/main" id="{91F2D367-4818-4165-9C5A-48FE14B1A03C}"/>
+              </a:ext>
+            </a:extLst>
+          </p:cNvPr>
+          <p:cNvCxnSpPr>
+            <a:cxnSpLocks/>
+            <a:stCxn id="64" idx="3"/>
+            <a:endCxn id="67" idx="1"/>
+          </p:cNvCxnSpPr>
+          <p:nvPr/>
+        </p:nvCxnSpPr>
+        <p:spPr>
+          <a:xfrm flipV="1">
+            <a:off x="6639646" y="4702634"/>
+            <a:ext cx="323294" cy="786"/>
+          </a:xfrm>
+          <a:prstGeom prst="bentConnector3">
+            <a:avLst>
+              <a:gd name="adj1" fmla="val 50000"/>
+            </a:avLst>
+          </a:prstGeom>
+          <a:ln w="19050">
+            <a:prstDash val="sysDot"/>
+            <a:headEnd type="none" w="med" len="med"/>
+            <a:tailEnd type="arrow" w="med" len="med"/>
+          </a:ln>
+          <a:effectLst/>
+        </p:spPr>
+        <p:style>
+          <a:lnRef idx="1">
+            <a:schemeClr val="accent6"/>
+          </a:lnRef>
+          <a:fillRef idx="2">
+            <a:schemeClr val="accent6"/>
+          </a:fillRef>
+          <a:effectRef idx="1">
+            <a:schemeClr val="accent6"/>
+          </a:effectRef>
+          <a:fontRef idx="minor">
+            <a:schemeClr val="dk1"/>
+          </a:fontRef>
+        </p:style>
+      </p:cxnSp>
+      <p:sp>
+        <p:nvSpPr>
+          <p:cNvPr id="69" name="Rectangle 8">
+            <a:extLst>
+              <a:ext uri="{FF2B5EF4-FFF2-40B4-BE49-F238E27FC236}">
+                <a16:creationId xmlns:a16="http://schemas.microsoft.com/office/drawing/2014/main" id="{E998D69F-85B9-4CCE-AA94-577FC30F116A}"/>
+              </a:ext>
+            </a:extLst>
+          </p:cNvPr>
+          <p:cNvSpPr/>
+          <p:nvPr/>
+        </p:nvSpPr>
+        <p:spPr>
+          <a:xfrm>
+            <a:off x="2154053" y="5040566"/>
+            <a:ext cx="1466177" cy="346760"/>
+          </a:xfrm>
+          <a:prstGeom prst="rect">
+            <a:avLst/>
+          </a:prstGeom>
+          <a:solidFill>
+            <a:schemeClr val="accent6">
+              <a:lumMod val="75000"/>
+            </a:schemeClr>
+          </a:solidFill>
+          <a:ln w="19050">
+            <a:solidFill>
+              <a:schemeClr val="accent6">
+                <a:lumMod val="75000"/>
+              </a:schemeClr>
+            </a:solidFill>
+          </a:ln>
+          <a:effectLst/>
+        </p:spPr>
+        <p:style>
+          <a:lnRef idx="1">
+            <a:schemeClr val="accent2"/>
+          </a:lnRef>
+          <a:fillRef idx="2">
+            <a:schemeClr val="accent2"/>
+          </a:fillRef>
+          <a:effectRef idx="1">
+            <a:schemeClr val="accent2"/>
+          </a:effectRef>
+          <a:fontRef idx="minor">
+            <a:schemeClr val="dk1"/>
+          </a:fontRef>
+        </p:style>
+        <p:txBody>
+          <a:bodyPr rtlCol="0" anchor="ctr"/>
+          <a:lstStyle/>
+          <a:p>
+            <a:pPr algn="ctr"/>
+            <a:r>
+              <a:rPr lang="en-US" sz="1050" dirty="0">
+                <a:solidFill>
+                  <a:schemeClr val="bg1"/>
+                </a:solidFill>
+              </a:rPr>
+              <a:t>&lt;&lt;interface&gt;&gt;</a:t>
+            </a:r>
+            <a:br>
+              <a:rPr lang="en-US" sz="1050" dirty="0">
+                <a:solidFill>
+                  <a:schemeClr val="bg1"/>
+                </a:solidFill>
+              </a:rPr>
+            </a:br>
+            <a:r>
+              <a:rPr lang="en-US" sz="1050" dirty="0" err="1">
+                <a:solidFill>
+                  <a:schemeClr val="bg1"/>
+                </a:solidFill>
+              </a:rPr>
+              <a:t>ReportingStorage</a:t>
+            </a:r>
+            <a:endParaRPr lang="en-SG" sz="1050" dirty="0">
+              <a:solidFill>
+                <a:schemeClr val="bg1"/>
+              </a:solidFill>
+            </a:endParaRPr>
+          </a:p>
+        </p:txBody>
+      </p:sp>
+      <p:cxnSp>
+        <p:nvCxnSpPr>
+          <p:cNvPr id="70" name="Straight Arrow Connector 69">
+            <a:extLst>
+              <a:ext uri="{FF2B5EF4-FFF2-40B4-BE49-F238E27FC236}">
+                <a16:creationId xmlns:a16="http://schemas.microsoft.com/office/drawing/2014/main" id="{0F21D4DA-0B86-403A-82DB-45A2CBB55249}"/>
+              </a:ext>
+            </a:extLst>
+          </p:cNvPr>
+          <p:cNvCxnSpPr>
+            <a:cxnSpLocks/>
+            <a:stCxn id="71" idx="3"/>
+            <a:endCxn id="69" idx="1"/>
+          </p:cNvCxnSpPr>
+          <p:nvPr/>
+        </p:nvCxnSpPr>
+        <p:spPr>
+          <a:xfrm>
+            <a:off x="1978529" y="5208662"/>
+            <a:ext cx="175524" cy="5284"/>
+          </a:xfrm>
+          <a:prstGeom prst="straightConnector1">
+            <a:avLst/>
+          </a:prstGeom>
+          <a:ln w="19050">
+            <a:solidFill>
+              <a:schemeClr val="accent6">
+                <a:lumMod val="75000"/>
+              </a:schemeClr>
+            </a:solidFill>
+            <a:headEnd type="none" w="med" len="med"/>
+            <a:tailEnd type="arrow" w="med" len="med"/>
+          </a:ln>
+          <a:effectLst/>
+        </p:spPr>
+        <p:style>
+          <a:lnRef idx="1">
+            <a:schemeClr val="accent2"/>
+          </a:lnRef>
+          <a:fillRef idx="2">
+            <a:schemeClr val="accent2"/>
+          </a:fillRef>
+          <a:effectRef idx="1">
+            <a:schemeClr val="accent2"/>
+          </a:effectRef>
+          <a:fontRef idx="minor">
+            <a:schemeClr val="dk1"/>
+          </a:fontRef>
+        </p:style>
+      </p:cxnSp>
+      <p:sp>
+        <p:nvSpPr>
+          <p:cNvPr id="71" name="Flowchart: Decision 96">
+            <a:extLst>
+              <a:ext uri="{FF2B5EF4-FFF2-40B4-BE49-F238E27FC236}">
+                <a16:creationId xmlns:a16="http://schemas.microsoft.com/office/drawing/2014/main" id="{6FD43C84-AD6A-4307-8B9A-98B9BBDD5926}"/>
+              </a:ext>
+            </a:extLst>
+          </p:cNvPr>
+          <p:cNvSpPr/>
+          <p:nvPr/>
+        </p:nvSpPr>
+        <p:spPr>
+          <a:xfrm>
+            <a:off x="1742481" y="5121972"/>
+            <a:ext cx="236048" cy="173380"/>
+          </a:xfrm>
+          <a:prstGeom prst="flowChartDecision">
+            <a:avLst/>
+          </a:prstGeom>
+          <a:noFill/>
+          <a:ln w="19050">
+            <a:solidFill>
+              <a:schemeClr val="accent6">
+                <a:lumMod val="75000"/>
+              </a:schemeClr>
+            </a:solidFill>
+          </a:ln>
+          <a:effectLst/>
+        </p:spPr>
+        <p:style>
+          <a:lnRef idx="1">
+            <a:schemeClr val="accent2"/>
+          </a:lnRef>
+          <a:fillRef idx="2">
+            <a:schemeClr val="accent2"/>
+          </a:fillRef>
+          <a:effectRef idx="1">
+            <a:schemeClr val="accent2"/>
+          </a:effectRef>
+          <a:fontRef idx="minor">
+            <a:schemeClr val="dk1"/>
+          </a:fontRef>
+        </p:style>
+        <p:txBody>
+          <a:bodyPr rtlCol="0" anchor="ctr"/>
+          <a:lstStyle/>
+          <a:p>
+            <a:pPr algn="ctr"/>
+            <a:endParaRPr lang="en-US" sz="1050">
+              <a:solidFill>
+                <a:schemeClr val="bg1"/>
+              </a:solidFill>
+            </a:endParaRPr>
+          </a:p>
+        </p:txBody>
+      </p:sp>
+      <p:cxnSp>
+        <p:nvCxnSpPr>
+          <p:cNvPr id="72" name="Elbow Connector 63">
+            <a:extLst>
+              <a:ext uri="{FF2B5EF4-FFF2-40B4-BE49-F238E27FC236}">
+                <a16:creationId xmlns:a16="http://schemas.microsoft.com/office/drawing/2014/main" id="{871EBF7C-1F7D-4A44-B64E-2593E5B56400}"/>
+              </a:ext>
+            </a:extLst>
+          </p:cNvPr>
+          <p:cNvCxnSpPr>
+            <a:cxnSpLocks/>
+            <a:stCxn id="73" idx="3"/>
+            <a:endCxn id="78" idx="1"/>
+          </p:cNvCxnSpPr>
+          <p:nvPr/>
+        </p:nvCxnSpPr>
+        <p:spPr>
+          <a:xfrm flipV="1">
+            <a:off x="3789934" y="5213946"/>
+            <a:ext cx="270164" cy="1"/>
+          </a:xfrm>
+          <a:prstGeom prst="bentConnector3">
+            <a:avLst>
+              <a:gd name="adj1" fmla="val 50000"/>
+            </a:avLst>
+          </a:prstGeom>
+          <a:ln w="19050">
+            <a:solidFill>
+              <a:schemeClr val="accent6">
+                <a:lumMod val="75000"/>
+              </a:schemeClr>
+            </a:solidFill>
+            <a:prstDash val="sysDot"/>
+            <a:headEnd type="none" w="med" len="med"/>
+            <a:tailEnd type="none" w="med" len="med"/>
+          </a:ln>
+          <a:effectLst/>
+        </p:spPr>
+        <p:style>
+          <a:lnRef idx="1">
+            <a:schemeClr val="accent2"/>
+          </a:lnRef>
+          <a:fillRef idx="2">
+            <a:schemeClr val="accent2"/>
+          </a:fillRef>
+          <a:effectRef idx="1">
+            <a:schemeClr val="accent2"/>
+          </a:effectRef>
+          <a:fontRef idx="minor">
+            <a:schemeClr val="dk1"/>
+          </a:fontRef>
+        </p:style>
+      </p:cxnSp>
+      <p:sp>
+        <p:nvSpPr>
+          <p:cNvPr id="73" name="Isosceles Triangle 102">
+            <a:extLst>
+              <a:ext uri="{FF2B5EF4-FFF2-40B4-BE49-F238E27FC236}">
+                <a16:creationId xmlns:a16="http://schemas.microsoft.com/office/drawing/2014/main" id="{33798419-B368-4C7D-8863-75AF64ED7E21}"/>
+              </a:ext>
+            </a:extLst>
+          </p:cNvPr>
+          <p:cNvSpPr/>
+          <p:nvPr/>
+        </p:nvSpPr>
+        <p:spPr>
+          <a:xfrm rot="5400000" flipV="1">
+            <a:off x="3566920" y="5126185"/>
+            <a:ext cx="270504" cy="175523"/>
+          </a:xfrm>
+          <a:prstGeom prst="triangle">
+            <a:avLst/>
+          </a:prstGeom>
+          <a:solidFill>
+            <a:schemeClr val="accent6">
+              <a:lumMod val="75000"/>
+            </a:schemeClr>
+          </a:solidFill>
+          <a:ln w="19050">
+            <a:solidFill>
+              <a:schemeClr val="accent6">
+                <a:lumMod val="75000"/>
+              </a:schemeClr>
+            </a:solidFill>
+          </a:ln>
+          <a:effectLst/>
+        </p:spPr>
+        <p:style>
+          <a:lnRef idx="1">
+            <a:schemeClr val="accent2"/>
+          </a:lnRef>
+          <a:fillRef idx="2">
+            <a:schemeClr val="accent2"/>
+          </a:fillRef>
+          <a:effectRef idx="1">
+            <a:schemeClr val="accent2"/>
+          </a:effectRef>
+          <a:fontRef idx="minor">
+            <a:schemeClr val="dk1"/>
+          </a:fontRef>
+        </p:style>
+        <p:txBody>
+          <a:bodyPr rtlCol="0" anchor="ctr"/>
+          <a:lstStyle/>
+          <a:p>
+            <a:pPr algn="ctr"/>
+            <a:endParaRPr lang="en-SG" sz="1050">
+              <a:solidFill>
+                <a:schemeClr val="bg1"/>
+              </a:solidFill>
+            </a:endParaRPr>
+          </a:p>
+        </p:txBody>
+      </p:sp>
+      <p:cxnSp>
+        <p:nvCxnSpPr>
+          <p:cNvPr id="76" name="Elbow Connector 122">
+            <a:extLst>
+              <a:ext uri="{FF2B5EF4-FFF2-40B4-BE49-F238E27FC236}">
+                <a16:creationId xmlns:a16="http://schemas.microsoft.com/office/drawing/2014/main" id="{4955C2C0-DED2-4DDC-BAF2-BDEAA7554022}"/>
+              </a:ext>
+            </a:extLst>
+          </p:cNvPr>
+          <p:cNvCxnSpPr>
+            <a:stCxn id="78" idx="3"/>
+            <a:endCxn id="79" idx="1"/>
+          </p:cNvCxnSpPr>
+          <p:nvPr/>
+        </p:nvCxnSpPr>
+        <p:spPr>
+          <a:xfrm>
+            <a:off x="5229933" y="5213946"/>
+            <a:ext cx="228600" cy="1970"/>
+          </a:xfrm>
+          <a:prstGeom prst="bentConnector3">
+            <a:avLst>
+              <a:gd name="adj1" fmla="val 50000"/>
+            </a:avLst>
+          </a:prstGeom>
+          <a:ln w="19050">
+            <a:solidFill>
+              <a:schemeClr val="accent6">
+                <a:lumMod val="75000"/>
+              </a:schemeClr>
+            </a:solidFill>
+            <a:prstDash val="sysDot"/>
+            <a:headEnd type="none" w="med" len="med"/>
+            <a:tailEnd type="arrow" w="med" len="med"/>
+          </a:ln>
+          <a:effectLst/>
+        </p:spPr>
+        <p:style>
+          <a:lnRef idx="1">
+            <a:schemeClr val="accent2"/>
+          </a:lnRef>
+          <a:fillRef idx="2">
+            <a:schemeClr val="accent2"/>
+          </a:fillRef>
+          <a:effectRef idx="1">
+            <a:schemeClr val="accent2"/>
+          </a:effectRef>
+          <a:fontRef idx="minor">
+            <a:schemeClr val="dk1"/>
+          </a:fontRef>
+        </p:style>
+      </p:cxnSp>
+      <p:sp>
+        <p:nvSpPr>
+          <p:cNvPr id="78" name="Rectangle 8">
+            <a:extLst>
+              <a:ext uri="{FF2B5EF4-FFF2-40B4-BE49-F238E27FC236}">
+                <a16:creationId xmlns:a16="http://schemas.microsoft.com/office/drawing/2014/main" id="{85BC9F61-60EA-4E1E-9285-9966DAA9E044}"/>
+              </a:ext>
+            </a:extLst>
+          </p:cNvPr>
+          <p:cNvSpPr/>
+          <p:nvPr/>
+        </p:nvSpPr>
+        <p:spPr>
+          <a:xfrm>
+            <a:off x="4060098" y="5040566"/>
+            <a:ext cx="1169835" cy="346760"/>
+          </a:xfrm>
+          <a:prstGeom prst="rect">
+            <a:avLst/>
+          </a:prstGeom>
+          <a:ln w="19050"/>
+          <a:effectLst/>
+        </p:spPr>
+        <p:style>
+          <a:lnRef idx="1">
+            <a:schemeClr val="accent6"/>
+          </a:lnRef>
+          <a:fillRef idx="2">
+            <a:schemeClr val="accent6"/>
+          </a:fillRef>
+          <a:effectRef idx="1">
+            <a:schemeClr val="accent6"/>
+          </a:effectRef>
+          <a:fontRef idx="minor">
+            <a:schemeClr val="dk1"/>
+          </a:fontRef>
+        </p:style>
+        <p:txBody>
+          <a:bodyPr rtlCol="0" anchor="ctr"/>
+          <a:lstStyle/>
+          <a:p>
+            <a:pPr algn="ctr"/>
+            <a:r>
+              <a:rPr lang="en-US" sz="1050" b="1" dirty="0" err="1">
+                <a:solidFill>
+                  <a:schemeClr val="accent6">
+                    <a:lumMod val="75000"/>
+                  </a:schemeClr>
+                </a:solidFill>
+              </a:rPr>
+              <a:t>CsvReporting</a:t>
+            </a:r>
+            <a:endParaRPr lang="en-US" sz="1050" b="1" dirty="0">
+              <a:solidFill>
+                <a:schemeClr val="accent6">
+                  <a:lumMod val="75000"/>
+                </a:schemeClr>
+              </a:solidFill>
+            </a:endParaRPr>
+          </a:p>
+          <a:p>
+            <a:pPr algn="ctr"/>
+            <a:r>
+              <a:rPr lang="en-US" sz="1050" b="1" dirty="0">
+                <a:solidFill>
+                  <a:schemeClr val="accent6">
+                    <a:lumMod val="75000"/>
+                  </a:schemeClr>
+                </a:solidFill>
+              </a:rPr>
+              <a:t>Storage</a:t>
+            </a:r>
+            <a:endParaRPr lang="en-SG" sz="1050" b="1" dirty="0">
+              <a:solidFill>
+                <a:schemeClr val="accent6">
+                  <a:lumMod val="75000"/>
+                </a:schemeClr>
+              </a:solidFill>
+            </a:endParaRPr>
+          </a:p>
+        </p:txBody>
+      </p:sp>
+      <p:sp>
+        <p:nvSpPr>
+          <p:cNvPr id="79" name="Rectangle 8">
+            <a:extLst>
+              <a:ext uri="{FF2B5EF4-FFF2-40B4-BE49-F238E27FC236}">
+                <a16:creationId xmlns:a16="http://schemas.microsoft.com/office/drawing/2014/main" id="{2097D22F-1A98-4C70-9F7F-B41F70436DAA}"/>
+              </a:ext>
+            </a:extLst>
+          </p:cNvPr>
+          <p:cNvSpPr/>
+          <p:nvPr/>
+        </p:nvSpPr>
+        <p:spPr>
+          <a:xfrm>
+            <a:off x="5458533" y="5042536"/>
+            <a:ext cx="1200707" cy="346760"/>
+          </a:xfrm>
+          <a:prstGeom prst="rect">
+            <a:avLst/>
+          </a:prstGeom>
+          <a:ln w="19050"/>
+          <a:effectLst/>
+        </p:spPr>
+        <p:style>
+          <a:lnRef idx="1">
+            <a:schemeClr val="accent6"/>
+          </a:lnRef>
+          <a:fillRef idx="2">
+            <a:schemeClr val="accent6"/>
+          </a:fillRef>
+          <a:effectRef idx="1">
+            <a:schemeClr val="accent6"/>
+          </a:effectRef>
+          <a:fontRef idx="minor">
+            <a:schemeClr val="dk1"/>
+          </a:fontRef>
+        </p:style>
+        <p:txBody>
+          <a:bodyPr rtlCol="0" anchor="ctr"/>
+          <a:lstStyle/>
+          <a:p>
+            <a:pPr algn="ctr"/>
+            <a:r>
+              <a:rPr lang="en-US" sz="1050" b="1" dirty="0" err="1">
+                <a:solidFill>
+                  <a:schemeClr val="accent6">
+                    <a:lumMod val="75000"/>
+                  </a:schemeClr>
+                </a:solidFill>
+              </a:rPr>
+              <a:t>CsvSerializable</a:t>
+            </a:r>
+            <a:endParaRPr lang="en-US" sz="1050" b="1" dirty="0">
+              <a:solidFill>
+                <a:schemeClr val="accent6">
+                  <a:lumMod val="75000"/>
+                </a:schemeClr>
+              </a:solidFill>
+            </a:endParaRPr>
+          </a:p>
+          <a:p>
+            <a:pPr algn="ctr"/>
+            <a:r>
+              <a:rPr lang="en-US" sz="1050" b="1" dirty="0" err="1">
+                <a:solidFill>
+                  <a:schemeClr val="accent6">
+                    <a:lumMod val="75000"/>
+                  </a:schemeClr>
+                </a:solidFill>
+              </a:rPr>
+              <a:t>SaleList</a:t>
+            </a:r>
+            <a:endParaRPr lang="en-SG" sz="1050" b="1" dirty="0">
+              <a:solidFill>
+                <a:schemeClr val="accent6">
+                  <a:lumMod val="75000"/>
+                </a:schemeClr>
+              </a:solidFill>
+            </a:endParaRPr>
+          </a:p>
+        </p:txBody>
+      </p:sp>
+      <p:sp>
+        <p:nvSpPr>
+          <p:cNvPr id="80" name="Rectangle 8">
+            <a:extLst>
+              <a:ext uri="{FF2B5EF4-FFF2-40B4-BE49-F238E27FC236}">
+                <a16:creationId xmlns:a16="http://schemas.microsoft.com/office/drawing/2014/main" id="{69A28224-A936-49F9-A68D-4559F79959B6}"/>
+              </a:ext>
+            </a:extLst>
+          </p:cNvPr>
+          <p:cNvSpPr/>
+          <p:nvPr/>
+        </p:nvSpPr>
+        <p:spPr>
+          <a:xfrm>
+            <a:off x="6982534" y="5041750"/>
+            <a:ext cx="1551866" cy="346760"/>
+          </a:xfrm>
+          <a:prstGeom prst="rect">
+            <a:avLst/>
+          </a:prstGeom>
+          <a:ln w="19050"/>
+          <a:effectLst/>
+        </p:spPr>
+        <p:style>
+          <a:lnRef idx="1">
+            <a:schemeClr val="accent6"/>
+          </a:lnRef>
+          <a:fillRef idx="2">
+            <a:schemeClr val="accent6"/>
+          </a:fillRef>
+          <a:effectRef idx="1">
+            <a:schemeClr val="accent6"/>
+          </a:effectRef>
+          <a:fontRef idx="minor">
+            <a:schemeClr val="dk1"/>
+          </a:fontRef>
+        </p:style>
+        <p:txBody>
+          <a:bodyPr rtlCol="0" anchor="ctr"/>
+          <a:lstStyle/>
+          <a:p>
+            <a:pPr algn="ctr"/>
+            <a:r>
+              <a:rPr lang="en-US" sz="1050" b="1" dirty="0" err="1">
+                <a:solidFill>
+                  <a:schemeClr val="accent6">
+                    <a:lumMod val="75000"/>
+                  </a:schemeClr>
+                </a:solidFill>
+              </a:rPr>
+              <a:t>CsvAdaptedSale</a:t>
+            </a:r>
+            <a:endParaRPr lang="en-SG" sz="1050" b="1" dirty="0">
+              <a:solidFill>
+                <a:schemeClr val="accent6">
+                  <a:lumMod val="75000"/>
+                </a:schemeClr>
+              </a:solidFill>
+            </a:endParaRPr>
+          </a:p>
+        </p:txBody>
+      </p:sp>
+      <p:cxnSp>
+        <p:nvCxnSpPr>
+          <p:cNvPr id="83" name="Elbow Connector 122">
+            <a:extLst>
+              <a:ext uri="{FF2B5EF4-FFF2-40B4-BE49-F238E27FC236}">
+                <a16:creationId xmlns:a16="http://schemas.microsoft.com/office/drawing/2014/main" id="{A5792407-5948-446A-A2F6-F5FA049EC92A}"/>
+              </a:ext>
+            </a:extLst>
+          </p:cNvPr>
+          <p:cNvCxnSpPr>
+            <a:cxnSpLocks/>
+            <a:stCxn id="78" idx="3"/>
+            <a:endCxn id="84" idx="1"/>
+          </p:cNvCxnSpPr>
+          <p:nvPr/>
+        </p:nvCxnSpPr>
+        <p:spPr>
+          <a:xfrm>
+            <a:off x="5229933" y="5213946"/>
+            <a:ext cx="219436" cy="420201"/>
+          </a:xfrm>
+          <a:prstGeom prst="bentConnector3">
+            <a:avLst>
+              <a:gd name="adj1" fmla="val 29574"/>
+            </a:avLst>
+          </a:prstGeom>
+          <a:ln w="19050">
+            <a:solidFill>
+              <a:schemeClr val="accent6">
+                <a:lumMod val="75000"/>
+              </a:schemeClr>
+            </a:solidFill>
+            <a:prstDash val="sysDot"/>
+            <a:headEnd type="none" w="med" len="med"/>
+            <a:tailEnd type="arrow" w="med" len="med"/>
+          </a:ln>
+          <a:effectLst/>
+        </p:spPr>
+        <p:style>
+          <a:lnRef idx="1">
+            <a:schemeClr val="accent2"/>
+          </a:lnRef>
+          <a:fillRef idx="2">
+            <a:schemeClr val="accent2"/>
+          </a:fillRef>
+          <a:effectRef idx="1">
+            <a:schemeClr val="accent2"/>
+          </a:effectRef>
+          <a:fontRef idx="minor">
+            <a:schemeClr val="dk1"/>
+          </a:fontRef>
+        </p:style>
+      </p:cxnSp>
+      <p:sp>
+        <p:nvSpPr>
+          <p:cNvPr id="84" name="Rectangle 8">
+            <a:extLst>
+              <a:ext uri="{FF2B5EF4-FFF2-40B4-BE49-F238E27FC236}">
+                <a16:creationId xmlns:a16="http://schemas.microsoft.com/office/drawing/2014/main" id="{73171816-E5CC-4F72-910E-D9630C35F254}"/>
+              </a:ext>
+            </a:extLst>
+          </p:cNvPr>
+          <p:cNvSpPr/>
+          <p:nvPr/>
+        </p:nvSpPr>
+        <p:spPr>
+          <a:xfrm>
+            <a:off x="5449369" y="5460767"/>
+            <a:ext cx="1200707" cy="346760"/>
+          </a:xfrm>
+          <a:prstGeom prst="rect">
+            <a:avLst/>
+          </a:prstGeom>
+          <a:ln w="19050"/>
+          <a:effectLst/>
+        </p:spPr>
+        <p:style>
+          <a:lnRef idx="1">
+            <a:schemeClr val="accent6"/>
+          </a:lnRef>
+          <a:fillRef idx="2">
+            <a:schemeClr val="accent6"/>
+          </a:fillRef>
+          <a:effectRef idx="1">
+            <a:schemeClr val="accent6"/>
+          </a:effectRef>
+          <a:fontRef idx="minor">
+            <a:schemeClr val="dk1"/>
+          </a:fontRef>
+        </p:style>
+        <p:txBody>
+          <a:bodyPr rtlCol="0" anchor="ctr"/>
+          <a:lstStyle/>
+          <a:p>
+            <a:pPr algn="ctr"/>
+            <a:r>
+              <a:rPr lang="en-US" sz="1050" b="1" dirty="0" err="1">
+                <a:solidFill>
+                  <a:schemeClr val="accent6">
+                    <a:lumMod val="75000"/>
+                  </a:schemeClr>
+                </a:solidFill>
+              </a:rPr>
+              <a:t>CsvSerializable</a:t>
+            </a:r>
+            <a:endParaRPr lang="en-US" sz="1050" b="1" dirty="0">
+              <a:solidFill>
+                <a:schemeClr val="accent6">
+                  <a:lumMod val="75000"/>
+                </a:schemeClr>
+              </a:solidFill>
+            </a:endParaRPr>
+          </a:p>
+          <a:p>
+            <a:pPr algn="ctr"/>
+            <a:r>
+              <a:rPr lang="en-US" sz="1050" b="1" dirty="0" err="1">
+                <a:solidFill>
+                  <a:schemeClr val="accent6">
+                    <a:lumMod val="75000"/>
+                  </a:schemeClr>
+                </a:solidFill>
+              </a:rPr>
+              <a:t>StaffList</a:t>
+            </a:r>
+            <a:endParaRPr lang="en-SG" sz="1050" b="1" dirty="0">
+              <a:solidFill>
+                <a:schemeClr val="accent6">
+                  <a:lumMod val="75000"/>
+                </a:schemeClr>
+              </a:solidFill>
+            </a:endParaRPr>
+          </a:p>
+        </p:txBody>
+      </p:sp>
+      <p:cxnSp>
+        <p:nvCxnSpPr>
+          <p:cNvPr id="85" name="Elbow Connector 122">
+            <a:extLst>
+              <a:ext uri="{FF2B5EF4-FFF2-40B4-BE49-F238E27FC236}">
+                <a16:creationId xmlns:a16="http://schemas.microsoft.com/office/drawing/2014/main" id="{362FEB90-C0A3-457A-8868-2FB9AC086EEF}"/>
+              </a:ext>
+            </a:extLst>
+          </p:cNvPr>
+          <p:cNvCxnSpPr>
+            <a:cxnSpLocks/>
+            <a:stCxn id="78" idx="3"/>
+            <a:endCxn id="86" idx="1"/>
+          </p:cNvCxnSpPr>
+          <p:nvPr/>
+        </p:nvCxnSpPr>
+        <p:spPr>
+          <a:xfrm>
+            <a:off x="5229933" y="5213946"/>
+            <a:ext cx="228600" cy="854200"/>
+          </a:xfrm>
+          <a:prstGeom prst="bentConnector3">
+            <a:avLst>
+              <a:gd name="adj1" fmla="val 26470"/>
+            </a:avLst>
+          </a:prstGeom>
+          <a:ln w="19050">
+            <a:solidFill>
+              <a:schemeClr val="accent6">
+                <a:lumMod val="75000"/>
+              </a:schemeClr>
+            </a:solidFill>
+            <a:prstDash val="sysDot"/>
+            <a:headEnd type="none" w="med" len="med"/>
+            <a:tailEnd type="arrow" w="med" len="med"/>
+          </a:ln>
+          <a:effectLst/>
+        </p:spPr>
+        <p:style>
+          <a:lnRef idx="1">
+            <a:schemeClr val="accent2"/>
+          </a:lnRef>
+          <a:fillRef idx="2">
+            <a:schemeClr val="accent2"/>
+          </a:fillRef>
+          <a:effectRef idx="1">
+            <a:schemeClr val="accent2"/>
+          </a:effectRef>
+          <a:fontRef idx="minor">
+            <a:schemeClr val="dk1"/>
+          </a:fontRef>
+        </p:style>
+      </p:cxnSp>
+      <p:sp>
+        <p:nvSpPr>
+          <p:cNvPr id="86" name="Rectangle 8">
+            <a:extLst>
+              <a:ext uri="{FF2B5EF4-FFF2-40B4-BE49-F238E27FC236}">
+                <a16:creationId xmlns:a16="http://schemas.microsoft.com/office/drawing/2014/main" id="{570D2D98-5B2C-4B30-BA73-0AA95E2CE84F}"/>
+              </a:ext>
+            </a:extLst>
+          </p:cNvPr>
+          <p:cNvSpPr/>
+          <p:nvPr/>
+        </p:nvSpPr>
+        <p:spPr>
+          <a:xfrm>
+            <a:off x="5458533" y="5894766"/>
+            <a:ext cx="1200707" cy="346760"/>
+          </a:xfrm>
+          <a:prstGeom prst="rect">
+            <a:avLst/>
+          </a:prstGeom>
+          <a:ln w="19050"/>
+          <a:effectLst/>
+        </p:spPr>
+        <p:style>
+          <a:lnRef idx="1">
+            <a:schemeClr val="accent6"/>
+          </a:lnRef>
+          <a:fillRef idx="2">
+            <a:schemeClr val="accent6"/>
+          </a:fillRef>
+          <a:effectRef idx="1">
+            <a:schemeClr val="accent6"/>
+          </a:effectRef>
+          <a:fontRef idx="minor">
+            <a:schemeClr val="dk1"/>
+          </a:fontRef>
+        </p:style>
+        <p:txBody>
+          <a:bodyPr rtlCol="0" anchor="ctr"/>
+          <a:lstStyle/>
+          <a:p>
+            <a:pPr algn="ctr"/>
+            <a:r>
+              <a:rPr lang="en-US" sz="1050" b="1" dirty="0" err="1">
+                <a:solidFill>
+                  <a:schemeClr val="accent6">
+                    <a:lumMod val="75000"/>
+                  </a:schemeClr>
+                </a:solidFill>
+              </a:rPr>
+              <a:t>CsvSerializable</a:t>
+            </a:r>
+            <a:endParaRPr lang="en-US" sz="1050" b="1" dirty="0">
+              <a:solidFill>
+                <a:schemeClr val="accent6">
+                  <a:lumMod val="75000"/>
+                </a:schemeClr>
+              </a:solidFill>
+            </a:endParaRPr>
+          </a:p>
+          <a:p>
+            <a:pPr algn="ctr"/>
+            <a:r>
+              <a:rPr lang="en-US" sz="1050" b="1" dirty="0" err="1">
+                <a:solidFill>
+                  <a:schemeClr val="accent6">
+                    <a:lumMod val="75000"/>
+                  </a:schemeClr>
+                </a:solidFill>
+              </a:rPr>
+              <a:t>PurhcaseOrderList</a:t>
+            </a:r>
+            <a:endParaRPr lang="en-SG" sz="1050" b="1" dirty="0">
+              <a:solidFill>
+                <a:schemeClr val="accent6">
+                  <a:lumMod val="75000"/>
+                </a:schemeClr>
+              </a:solidFill>
+            </a:endParaRPr>
+          </a:p>
+        </p:txBody>
+      </p:sp>
+      <p:cxnSp>
+        <p:nvCxnSpPr>
+          <p:cNvPr id="87" name="Elbow Connector 122">
+            <a:extLst>
+              <a:ext uri="{FF2B5EF4-FFF2-40B4-BE49-F238E27FC236}">
+                <a16:creationId xmlns:a16="http://schemas.microsoft.com/office/drawing/2014/main" id="{FA874A4A-E676-4A06-8738-AB03496F9DE2}"/>
+              </a:ext>
+            </a:extLst>
+          </p:cNvPr>
+          <p:cNvCxnSpPr>
+            <a:cxnSpLocks/>
+            <a:stCxn id="78" idx="3"/>
+            <a:endCxn id="88" idx="1"/>
+          </p:cNvCxnSpPr>
+          <p:nvPr/>
+        </p:nvCxnSpPr>
+        <p:spPr>
+          <a:xfrm>
+            <a:off x="5229933" y="5213946"/>
+            <a:ext cx="228600" cy="1286229"/>
+          </a:xfrm>
+          <a:prstGeom prst="bentConnector3">
+            <a:avLst>
+              <a:gd name="adj1" fmla="val 26471"/>
+            </a:avLst>
+          </a:prstGeom>
+          <a:ln w="19050">
+            <a:solidFill>
+              <a:schemeClr val="accent6">
+                <a:lumMod val="75000"/>
+              </a:schemeClr>
+            </a:solidFill>
+            <a:prstDash val="sysDot"/>
+            <a:headEnd type="none" w="med" len="med"/>
+            <a:tailEnd type="arrow" w="med" len="med"/>
+          </a:ln>
+          <a:effectLst/>
+        </p:spPr>
+        <p:style>
+          <a:lnRef idx="1">
+            <a:schemeClr val="accent2"/>
+          </a:lnRef>
+          <a:fillRef idx="2">
+            <a:schemeClr val="accent2"/>
+          </a:fillRef>
+          <a:effectRef idx="1">
+            <a:schemeClr val="accent2"/>
+          </a:effectRef>
+          <a:fontRef idx="minor">
+            <a:schemeClr val="dk1"/>
+          </a:fontRef>
+        </p:style>
+      </p:cxnSp>
+      <p:sp>
+        <p:nvSpPr>
+          <p:cNvPr id="88" name="Rectangle 8">
+            <a:extLst>
+              <a:ext uri="{FF2B5EF4-FFF2-40B4-BE49-F238E27FC236}">
+                <a16:creationId xmlns:a16="http://schemas.microsoft.com/office/drawing/2014/main" id="{E409498D-F5A6-439D-9CB1-1DB5EBE3DD69}"/>
+              </a:ext>
+            </a:extLst>
+          </p:cNvPr>
+          <p:cNvSpPr/>
+          <p:nvPr/>
+        </p:nvSpPr>
+        <p:spPr>
+          <a:xfrm>
+            <a:off x="5458533" y="6326795"/>
+            <a:ext cx="1200707" cy="346760"/>
+          </a:xfrm>
+          <a:prstGeom prst="rect">
+            <a:avLst/>
+          </a:prstGeom>
+          <a:ln w="19050"/>
+          <a:effectLst/>
+        </p:spPr>
+        <p:style>
+          <a:lnRef idx="1">
+            <a:schemeClr val="accent6"/>
+          </a:lnRef>
+          <a:fillRef idx="2">
+            <a:schemeClr val="accent6"/>
+          </a:fillRef>
+          <a:effectRef idx="1">
+            <a:schemeClr val="accent6"/>
+          </a:effectRef>
+          <a:fontRef idx="minor">
+            <a:schemeClr val="dk1"/>
+          </a:fontRef>
+        </p:style>
+        <p:txBody>
+          <a:bodyPr rtlCol="0" anchor="ctr"/>
+          <a:lstStyle/>
+          <a:p>
+            <a:pPr algn="ctr"/>
+            <a:r>
+              <a:rPr lang="en-US" sz="1050" b="1" dirty="0" err="1">
+                <a:solidFill>
+                  <a:schemeClr val="accent6">
+                    <a:lumMod val="75000"/>
+                  </a:schemeClr>
+                </a:solidFill>
+              </a:rPr>
+              <a:t>CsvSerializable</a:t>
+            </a:r>
+            <a:endParaRPr lang="en-US" sz="1050" b="1" dirty="0">
+              <a:solidFill>
+                <a:schemeClr val="accent6">
+                  <a:lumMod val="75000"/>
+                </a:schemeClr>
+              </a:solidFill>
+            </a:endParaRPr>
+          </a:p>
+          <a:p>
+            <a:pPr algn="ctr"/>
+            <a:r>
+              <a:rPr lang="en-US" sz="1050" b="1" dirty="0" err="1">
+                <a:solidFill>
+                  <a:schemeClr val="accent6">
+                    <a:lumMod val="75000"/>
+                  </a:schemeClr>
+                </a:solidFill>
+              </a:rPr>
+              <a:t>ItemList</a:t>
+            </a:r>
+            <a:endParaRPr lang="en-SG" sz="1050" b="1" dirty="0">
+              <a:solidFill>
+                <a:schemeClr val="accent6">
+                  <a:lumMod val="75000"/>
+                </a:schemeClr>
+              </a:solidFill>
+            </a:endParaRPr>
+          </a:p>
+        </p:txBody>
+      </p:sp>
+      <p:cxnSp>
+        <p:nvCxnSpPr>
+          <p:cNvPr id="89" name="Elbow Connector 122">
+            <a:extLst>
+              <a:ext uri="{FF2B5EF4-FFF2-40B4-BE49-F238E27FC236}">
+                <a16:creationId xmlns:a16="http://schemas.microsoft.com/office/drawing/2014/main" id="{7B3B11B5-0242-485B-97B3-80178C38EBD3}"/>
+              </a:ext>
+            </a:extLst>
+          </p:cNvPr>
+          <p:cNvCxnSpPr>
+            <a:cxnSpLocks/>
+            <a:endCxn id="80" idx="1"/>
+          </p:cNvCxnSpPr>
+          <p:nvPr/>
+        </p:nvCxnSpPr>
+        <p:spPr>
+          <a:xfrm>
+            <a:off x="6639646" y="5214931"/>
+            <a:ext cx="342888" cy="199"/>
+          </a:xfrm>
+          <a:prstGeom prst="bentConnector3">
+            <a:avLst>
+              <a:gd name="adj1" fmla="val 50000"/>
+            </a:avLst>
+          </a:prstGeom>
+          <a:ln w="19050">
+            <a:prstDash val="sysDot"/>
+            <a:headEnd type="none" w="med" len="med"/>
+            <a:tailEnd type="arrow" w="med" len="med"/>
+          </a:ln>
+          <a:effectLst/>
+        </p:spPr>
+        <p:style>
+          <a:lnRef idx="1">
+            <a:schemeClr val="accent6"/>
+          </a:lnRef>
+          <a:fillRef idx="2">
+            <a:schemeClr val="accent6"/>
+          </a:fillRef>
+          <a:effectRef idx="1">
+            <a:schemeClr val="accent6"/>
+          </a:effectRef>
+          <a:fontRef idx="minor">
+            <a:schemeClr val="dk1"/>
+          </a:fontRef>
+        </p:style>
+      </p:cxnSp>
+      <p:sp>
+        <p:nvSpPr>
+          <p:cNvPr id="90" name="Rectangle 8">
+            <a:extLst>
+              <a:ext uri="{FF2B5EF4-FFF2-40B4-BE49-F238E27FC236}">
+                <a16:creationId xmlns:a16="http://schemas.microsoft.com/office/drawing/2014/main" id="{7FE7CEA0-FAE0-4F8F-9948-3D6BCBC78E2A}"/>
+              </a:ext>
+            </a:extLst>
+          </p:cNvPr>
+          <p:cNvSpPr/>
+          <p:nvPr/>
+        </p:nvSpPr>
+        <p:spPr>
+          <a:xfrm>
+            <a:off x="6992158" y="5460767"/>
+            <a:ext cx="1551866" cy="346760"/>
+          </a:xfrm>
+          <a:prstGeom prst="rect">
+            <a:avLst/>
+          </a:prstGeom>
+          <a:ln w="19050"/>
+          <a:effectLst/>
+        </p:spPr>
+        <p:style>
+          <a:lnRef idx="1">
+            <a:schemeClr val="accent6"/>
+          </a:lnRef>
+          <a:fillRef idx="2">
+            <a:schemeClr val="accent6"/>
+          </a:fillRef>
+          <a:effectRef idx="1">
+            <a:schemeClr val="accent6"/>
+          </a:effectRef>
+          <a:fontRef idx="minor">
+            <a:schemeClr val="dk1"/>
+          </a:fontRef>
+        </p:style>
+        <p:txBody>
+          <a:bodyPr rtlCol="0" anchor="ctr"/>
+          <a:lstStyle/>
+          <a:p>
+            <a:pPr algn="ctr"/>
+            <a:r>
+              <a:rPr lang="en-US" sz="1050" b="1" dirty="0" err="1">
+                <a:solidFill>
+                  <a:schemeClr val="accent6">
+                    <a:lumMod val="75000"/>
+                  </a:schemeClr>
+                </a:solidFill>
+              </a:rPr>
+              <a:t>CsvAdaptedStaff</a:t>
+            </a:r>
+            <a:endParaRPr lang="en-SG" sz="1050" b="1" dirty="0">
+              <a:solidFill>
+                <a:schemeClr val="accent6">
+                  <a:lumMod val="75000"/>
+                </a:schemeClr>
+              </a:solidFill>
+            </a:endParaRPr>
+          </a:p>
+        </p:txBody>
+      </p:sp>
+      <p:cxnSp>
+        <p:nvCxnSpPr>
+          <p:cNvPr id="91" name="Elbow Connector 122">
+            <a:extLst>
+              <a:ext uri="{FF2B5EF4-FFF2-40B4-BE49-F238E27FC236}">
+                <a16:creationId xmlns:a16="http://schemas.microsoft.com/office/drawing/2014/main" id="{31B042DC-191E-4FEA-8A5A-F806EA17ABB8}"/>
+              </a:ext>
+            </a:extLst>
+          </p:cNvPr>
+          <p:cNvCxnSpPr>
+            <a:cxnSpLocks/>
+            <a:endCxn id="90" idx="1"/>
+          </p:cNvCxnSpPr>
+          <p:nvPr/>
+        </p:nvCxnSpPr>
+        <p:spPr>
+          <a:xfrm>
+            <a:off x="6649270" y="5633948"/>
+            <a:ext cx="342888" cy="199"/>
+          </a:xfrm>
+          <a:prstGeom prst="bentConnector3">
+            <a:avLst>
+              <a:gd name="adj1" fmla="val 50000"/>
+            </a:avLst>
+          </a:prstGeom>
+          <a:ln w="19050">
+            <a:prstDash val="sysDot"/>
+            <a:headEnd type="none" w="med" len="med"/>
+            <a:tailEnd type="arrow" w="med" len="med"/>
+          </a:ln>
+          <a:effectLst/>
+        </p:spPr>
+        <p:style>
+          <a:lnRef idx="1">
+            <a:schemeClr val="accent6"/>
+          </a:lnRef>
+          <a:fillRef idx="2">
+            <a:schemeClr val="accent6"/>
+          </a:fillRef>
+          <a:effectRef idx="1">
+            <a:schemeClr val="accent6"/>
+          </a:effectRef>
+          <a:fontRef idx="minor">
+            <a:schemeClr val="dk1"/>
+          </a:fontRef>
+        </p:style>
+      </p:cxnSp>
+      <p:sp>
+        <p:nvSpPr>
+          <p:cNvPr id="92" name="Rectangle 8">
+            <a:extLst>
+              <a:ext uri="{FF2B5EF4-FFF2-40B4-BE49-F238E27FC236}">
+                <a16:creationId xmlns:a16="http://schemas.microsoft.com/office/drawing/2014/main" id="{7D0E7DF3-BE2A-4A40-8D49-2E018DA256B6}"/>
+              </a:ext>
+            </a:extLst>
+          </p:cNvPr>
+          <p:cNvSpPr/>
+          <p:nvPr/>
+        </p:nvSpPr>
+        <p:spPr>
+          <a:xfrm>
+            <a:off x="6987915" y="5894766"/>
+            <a:ext cx="1726743" cy="346760"/>
+          </a:xfrm>
+          <a:prstGeom prst="rect">
+            <a:avLst/>
+          </a:prstGeom>
+          <a:ln w="19050"/>
+          <a:effectLst/>
+        </p:spPr>
+        <p:style>
+          <a:lnRef idx="1">
+            <a:schemeClr val="accent6"/>
+          </a:lnRef>
+          <a:fillRef idx="2">
+            <a:schemeClr val="accent6"/>
+          </a:fillRef>
+          <a:effectRef idx="1">
+            <a:schemeClr val="accent6"/>
+          </a:effectRef>
+          <a:fontRef idx="minor">
+            <a:schemeClr val="dk1"/>
+          </a:fontRef>
+        </p:style>
+        <p:txBody>
+          <a:bodyPr rtlCol="0" anchor="ctr"/>
+          <a:lstStyle/>
+          <a:p>
+            <a:pPr algn="ctr"/>
+            <a:r>
+              <a:rPr lang="en-US" sz="1050" b="1" dirty="0" err="1">
+                <a:solidFill>
+                  <a:schemeClr val="accent6">
+                    <a:lumMod val="75000"/>
+                  </a:schemeClr>
+                </a:solidFill>
+              </a:rPr>
+              <a:t>CsvAdaptedPurchaseOrder</a:t>
+            </a:r>
+            <a:endParaRPr lang="en-SG" sz="1050" b="1" dirty="0">
+              <a:solidFill>
+                <a:schemeClr val="accent6">
+                  <a:lumMod val="75000"/>
+                </a:schemeClr>
+              </a:solidFill>
+            </a:endParaRPr>
+          </a:p>
+        </p:txBody>
+      </p:sp>
+      <p:cxnSp>
+        <p:nvCxnSpPr>
+          <p:cNvPr id="93" name="Elbow Connector 122">
+            <a:extLst>
+              <a:ext uri="{FF2B5EF4-FFF2-40B4-BE49-F238E27FC236}">
+                <a16:creationId xmlns:a16="http://schemas.microsoft.com/office/drawing/2014/main" id="{BF226E62-1E16-473B-8799-F18B53689168}"/>
+              </a:ext>
+            </a:extLst>
+          </p:cNvPr>
+          <p:cNvCxnSpPr>
+            <a:cxnSpLocks/>
+            <a:endCxn id="92" idx="1"/>
+          </p:cNvCxnSpPr>
+          <p:nvPr/>
+        </p:nvCxnSpPr>
+        <p:spPr>
+          <a:xfrm>
+            <a:off x="6645028" y="6067947"/>
+            <a:ext cx="342887" cy="199"/>
+          </a:xfrm>
+          <a:prstGeom prst="bentConnector3">
+            <a:avLst>
+              <a:gd name="adj1" fmla="val 50000"/>
+            </a:avLst>
+          </a:prstGeom>
+          <a:ln w="19050">
+            <a:prstDash val="sysDot"/>
+            <a:headEnd type="none" w="med" len="med"/>
+            <a:tailEnd type="arrow" w="med" len="med"/>
+          </a:ln>
+          <a:effectLst/>
+        </p:spPr>
+        <p:style>
+          <a:lnRef idx="1">
+            <a:schemeClr val="accent6"/>
+          </a:lnRef>
+          <a:fillRef idx="2">
+            <a:schemeClr val="accent6"/>
+          </a:fillRef>
+          <a:effectRef idx="1">
+            <a:schemeClr val="accent6"/>
+          </a:effectRef>
+          <a:fontRef idx="minor">
+            <a:schemeClr val="dk1"/>
+          </a:fontRef>
+        </p:style>
+      </p:cxnSp>
+      <p:sp>
+        <p:nvSpPr>
+          <p:cNvPr id="94" name="Rectangle 8">
+            <a:extLst>
+              <a:ext uri="{FF2B5EF4-FFF2-40B4-BE49-F238E27FC236}">
+                <a16:creationId xmlns:a16="http://schemas.microsoft.com/office/drawing/2014/main" id="{61E4DA68-D2D9-4073-A066-C241DE3D2565}"/>
+              </a:ext>
+            </a:extLst>
+          </p:cNvPr>
+          <p:cNvSpPr/>
+          <p:nvPr/>
+        </p:nvSpPr>
+        <p:spPr>
+          <a:xfrm>
+            <a:off x="6987916" y="6324600"/>
+            <a:ext cx="1551866" cy="346760"/>
+          </a:xfrm>
+          <a:prstGeom prst="rect">
+            <a:avLst/>
+          </a:prstGeom>
+          <a:ln w="19050"/>
+          <a:effectLst/>
+        </p:spPr>
+        <p:style>
+          <a:lnRef idx="1">
+            <a:schemeClr val="accent6"/>
+          </a:lnRef>
+          <a:fillRef idx="2">
+            <a:schemeClr val="accent6"/>
+          </a:fillRef>
+          <a:effectRef idx="1">
+            <a:schemeClr val="accent6"/>
+          </a:effectRef>
+          <a:fontRef idx="minor">
+            <a:schemeClr val="dk1"/>
+          </a:fontRef>
+        </p:style>
+        <p:txBody>
+          <a:bodyPr rtlCol="0" anchor="ctr"/>
+          <a:lstStyle/>
+          <a:p>
+            <a:pPr algn="ctr"/>
+            <a:r>
+              <a:rPr lang="en-US" sz="1050" b="1" dirty="0" err="1">
+                <a:solidFill>
+                  <a:schemeClr val="accent6">
+                    <a:lumMod val="75000"/>
+                  </a:schemeClr>
+                </a:solidFill>
+              </a:rPr>
+              <a:t>CsvAdaptedItem</a:t>
+            </a:r>
+            <a:endParaRPr lang="en-SG" sz="1050" b="1" dirty="0">
+              <a:solidFill>
+                <a:schemeClr val="accent6">
+                  <a:lumMod val="75000"/>
+                </a:schemeClr>
+              </a:solidFill>
+            </a:endParaRPr>
+          </a:p>
+        </p:txBody>
+      </p:sp>
+      <p:cxnSp>
+        <p:nvCxnSpPr>
+          <p:cNvPr id="95" name="Elbow Connector 122">
+            <a:extLst>
+              <a:ext uri="{FF2B5EF4-FFF2-40B4-BE49-F238E27FC236}">
+                <a16:creationId xmlns:a16="http://schemas.microsoft.com/office/drawing/2014/main" id="{4325D43B-31BF-428F-AC70-DC4214D04CD5}"/>
+              </a:ext>
+            </a:extLst>
+          </p:cNvPr>
+          <p:cNvCxnSpPr>
+            <a:cxnSpLocks/>
+            <a:endCxn id="94" idx="1"/>
+          </p:cNvCxnSpPr>
+          <p:nvPr/>
+        </p:nvCxnSpPr>
+        <p:spPr>
+          <a:xfrm>
+            <a:off x="6645028" y="6497781"/>
+            <a:ext cx="342888" cy="199"/>
+          </a:xfrm>
+          <a:prstGeom prst="bentConnector3">
+            <a:avLst>
+              <a:gd name="adj1" fmla="val 50000"/>
+            </a:avLst>
+          </a:prstGeom>
+          <a:ln w="19050">
+            <a:prstDash val="sysDot"/>
+            <a:headEnd type="none" w="med" len="med"/>
+            <a:tailEnd type="arrow" w="med" len="med"/>
+          </a:ln>
+          <a:effectLst/>
+        </p:spPr>
+        <p:style>
+          <a:lnRef idx="1">
+            <a:schemeClr val="accent6"/>
+          </a:lnRef>
+          <a:fillRef idx="2">
+            <a:schemeClr val="accent6"/>
+          </a:fillRef>
+          <a:effectRef idx="1">
+            <a:schemeClr val="accent6"/>
+          </a:effectRef>
+          <a:fontRef idx="minor">
+            <a:schemeClr val="dk1"/>
+          </a:fontRef>
+        </p:style>
+      </p:cxnSp>
+      <p:sp>
+        <p:nvSpPr>
+          <p:cNvPr id="96" name="Rectangle 8">
+            <a:extLst>
+              <a:ext uri="{FF2B5EF4-FFF2-40B4-BE49-F238E27FC236}">
+                <a16:creationId xmlns:a16="http://schemas.microsoft.com/office/drawing/2014/main" id="{3D5331BA-21E6-479F-897C-A498193CB7DD}"/>
+              </a:ext>
+            </a:extLst>
+          </p:cNvPr>
+          <p:cNvSpPr/>
+          <p:nvPr/>
+        </p:nvSpPr>
+        <p:spPr>
+          <a:xfrm>
+            <a:off x="6998129" y="6854104"/>
+            <a:ext cx="1553905" cy="346760"/>
+          </a:xfrm>
+          <a:prstGeom prst="rect">
+            <a:avLst/>
+          </a:prstGeom>
+          <a:ln w="19050"/>
+          <a:effectLst/>
+        </p:spPr>
+        <p:style>
+          <a:lnRef idx="1">
+            <a:schemeClr val="accent6"/>
+          </a:lnRef>
+          <a:fillRef idx="2">
+            <a:schemeClr val="accent6"/>
+          </a:fillRef>
+          <a:effectRef idx="1">
+            <a:schemeClr val="accent6"/>
+          </a:effectRef>
+          <a:fontRef idx="minor">
+            <a:schemeClr val="dk1"/>
+          </a:fontRef>
+        </p:style>
+        <p:txBody>
+          <a:bodyPr rtlCol="0" anchor="ctr"/>
+          <a:lstStyle/>
+          <a:p>
+            <a:pPr algn="ctr"/>
+            <a:r>
+              <a:rPr lang="en-US" sz="1050" b="1" dirty="0" err="1">
+                <a:solidFill>
+                  <a:schemeClr val="accent6">
+                    <a:lumMod val="75000"/>
+                  </a:schemeClr>
+                </a:solidFill>
+              </a:rPr>
+              <a:t>CsvAdaptedTag</a:t>
+            </a:r>
+            <a:endParaRPr lang="en-SG" sz="1050" b="1" dirty="0">
+              <a:solidFill>
+                <a:schemeClr val="accent6">
+                  <a:lumMod val="75000"/>
+                </a:schemeClr>
+              </a:solidFill>
+            </a:endParaRPr>
+          </a:p>
+        </p:txBody>
+      </p:sp>
+      <p:cxnSp>
+        <p:nvCxnSpPr>
+          <p:cNvPr id="98" name="Elbow Connector 122">
+            <a:extLst>
+              <a:ext uri="{FF2B5EF4-FFF2-40B4-BE49-F238E27FC236}">
+                <a16:creationId xmlns:a16="http://schemas.microsoft.com/office/drawing/2014/main" id="{68079A74-B5FC-470B-A379-94FCD0512ADD}"/>
+              </a:ext>
+            </a:extLst>
+          </p:cNvPr>
+          <p:cNvCxnSpPr>
+            <a:cxnSpLocks/>
+            <a:stCxn id="94" idx="2"/>
+            <a:endCxn id="96" idx="0"/>
+          </p:cNvCxnSpPr>
+          <p:nvPr/>
+        </p:nvCxnSpPr>
+        <p:spPr>
+          <a:xfrm rot="16200000" flipH="1">
+            <a:off x="7678093" y="6757115"/>
+            <a:ext cx="182744" cy="11233"/>
           </a:xfrm>
           <a:prstGeom prst="bentConnector3">
             <a:avLst>
@@ -4843,13 +7470,6 @@
   <p:clrMapOvr>
     <a:masterClrMapping/>
   </p:clrMapOvr>
-  <p:timing>
-    <p:tnLst>
-      <p:par>
-        <p:cTn id="1" dur="indefinite" restart="never" nodeType="tmRoot"/>
-      </p:par>
-    </p:tnLst>
-  </p:timing>
 </p:sld>
 </file>
 
